--- a/Normalización-Act8.pptx
+++ b/Normalización-Act8.pptx
@@ -5,15 +5,16 @@
     <p:sldMasterId id="2147483660" r:id="rId1"/>
   </p:sldMasterIdLst>
   <p:notesMasterIdLst>
-    <p:notesMasterId r:id="rId5"/>
+    <p:notesMasterId r:id="rId6"/>
   </p:notesMasterIdLst>
   <p:handoutMasterIdLst>
-    <p:handoutMasterId r:id="rId6"/>
+    <p:handoutMasterId r:id="rId7"/>
   </p:handoutMasterIdLst>
   <p:sldIdLst>
     <p:sldId id="257" r:id="rId2"/>
     <p:sldId id="258" r:id="rId3"/>
     <p:sldId id="260" r:id="rId4"/>
+    <p:sldId id="261" r:id="rId5"/>
   </p:sldIdLst>
   <p:sldSz cx="12192000" cy="6858000"/>
   <p:notesSz cx="6858000" cy="9144000"/>
@@ -112,6 +113,11 @@
       </a:defRPr>
     </a:lvl9pPr>
   </p:defaultTextStyle>
+  <p:extLst>
+    <p:ext uri="{EFAFB233-063F-42B5-8137-9DF3F51BA10A}">
+      <p15:sldGuideLst xmlns:p15="http://schemas.microsoft.com/office/powerpoint/2012/main"/>
+    </p:ext>
+  </p:extLst>
 </p:presentation>
 </file>
 
@@ -197,7 +203,7 @@
           <a:p>
             <a:fld id="{84922B1A-842B-4D2D-B1AA-B2E93F7D1BA7}" type="datetimeFigureOut">
               <a:rPr lang="es-MX" smtClean="0"/>
-              <a:t>12/05/2019</a:t>
+              <a:t>15/04/2020</a:t>
             </a:fld>
             <a:endParaRPr lang="es-MX"/>
           </a:p>
@@ -231,10 +237,9 @@
           </a:lstStyle>
           <a:p>
             <a:r>
-              <a:rPr lang="es-MX" smtClean="0"/>
+              <a:rPr lang="es-MX"/>
               <a:t>Edson André Cortés Silva</a:t>
             </a:r>
-            <a:endParaRPr lang="es-MX"/>
           </a:p>
         </p:txBody>
       </p:sp>
@@ -367,7 +372,7 @@
           <a:p>
             <a:fld id="{49884FBD-4D89-404D-A838-F683B1B78537}" type="datetimeFigureOut">
               <a:rPr lang="es-MX" smtClean="0"/>
-              <a:t>12/05/2019</a:t>
+              <a:t>15/04/2020</a:t>
             </a:fld>
             <a:endParaRPr lang="es-MX"/>
           </a:p>
@@ -431,35 +436,35 @@
           <a:p>
             <a:pPr lvl="0"/>
             <a:r>
-              <a:rPr lang="es-ES" smtClean="0"/>
+              <a:rPr lang="es-ES"/>
               <a:t>Haga clic para modificar el estilo de texto del patrón</a:t>
             </a:r>
           </a:p>
           <a:p>
             <a:pPr lvl="1"/>
             <a:r>
-              <a:rPr lang="es-ES" smtClean="0"/>
+              <a:rPr lang="es-ES"/>
               <a:t>Segundo nivel</a:t>
             </a:r>
           </a:p>
           <a:p>
             <a:pPr lvl="2"/>
             <a:r>
-              <a:rPr lang="es-ES" smtClean="0"/>
+              <a:rPr lang="es-ES"/>
               <a:t>Tercer nivel</a:t>
             </a:r>
           </a:p>
           <a:p>
             <a:pPr lvl="3"/>
             <a:r>
-              <a:rPr lang="es-ES" smtClean="0"/>
+              <a:rPr lang="es-ES"/>
               <a:t>Cuarto nivel</a:t>
             </a:r>
           </a:p>
           <a:p>
             <a:pPr lvl="4"/>
             <a:r>
-              <a:rPr lang="es-ES" smtClean="0"/>
+              <a:rPr lang="es-ES"/>
               <a:t>Quinto nivel</a:t>
             </a:r>
             <a:endParaRPr lang="es-MX"/>
@@ -494,10 +499,9 @@
           </a:lstStyle>
           <a:p>
             <a:r>
-              <a:rPr lang="es-MX" smtClean="0"/>
+              <a:rPr lang="es-MX"/>
               <a:t>Edson André Cortés Silva</a:t>
             </a:r>
-            <a:endParaRPr lang="es-MX"/>
           </a:p>
         </p:txBody>
       </p:sp>
@@ -704,10 +708,9 @@
           <a:lstStyle/>
           <a:p>
             <a:r>
-              <a:rPr lang="es-MX" smtClean="0"/>
+              <a:rPr lang="es-MX"/>
               <a:t>Edson André Cortés Silva</a:t>
             </a:r>
-            <a:endParaRPr lang="es-MX"/>
           </a:p>
         </p:txBody>
       </p:sp>
@@ -788,10 +791,9 @@
           <a:lstStyle/>
           <a:p>
             <a:r>
-              <a:rPr lang="es-MX" smtClean="0"/>
+              <a:rPr lang="es-MX"/>
               <a:t>Edson André Cortés Silva</a:t>
             </a:r>
-            <a:endParaRPr lang="es-MX"/>
           </a:p>
         </p:txBody>
       </p:sp>
@@ -984,7 +986,7 @@
           </a:lstStyle>
           <a:p>
             <a:r>
-              <a:rPr lang="es-ES" smtClean="0"/>
+              <a:rPr lang="es-ES"/>
               <a:t>Haga clic para modificar el estilo de título del patrón</a:t>
             </a:r>
             <a:endParaRPr lang="en-US" dirty="0"/>
@@ -1104,7 +1106,7 @@
           </a:lstStyle>
           <a:p>
             <a:r>
-              <a:rPr lang="es-ES" smtClean="0"/>
+              <a:rPr lang="es-ES"/>
               <a:t>Haga clic para modificar el estilo de subtítulo del patrón</a:t>
             </a:r>
             <a:endParaRPr lang="en-US" dirty="0"/>
@@ -1143,7 +1145,7 @@
           <a:p>
             <a:fld id="{7FD76C7D-8F93-41FE-AF13-1FD0EA3B21B4}" type="datetime1">
               <a:rPr lang="es-MX" smtClean="0"/>
-              <a:t>12/05/2019</a:t>
+              <a:t>15/04/2020</a:t>
             </a:fld>
             <a:endParaRPr lang="es-MX"/>
           </a:p>
@@ -1180,10 +1182,9 @@
           </a:lstStyle>
           <a:p>
             <a:r>
-              <a:rPr lang="es-MX" smtClean="0"/>
+              <a:rPr lang="es-MX"/>
               <a:t>Edson André Cortés Silva</a:t>
             </a:r>
-            <a:endParaRPr lang="es-MX"/>
           </a:p>
         </p:txBody>
       </p:sp>
@@ -2058,7 +2059,7 @@
           </a:lstStyle>
           <a:p>
             <a:r>
-              <a:rPr lang="es-ES" smtClean="0"/>
+              <a:rPr lang="es-ES"/>
               <a:t>Haga clic para modificar el estilo de título del patrón</a:t>
             </a:r>
             <a:endParaRPr lang="en-US" dirty="0"/>
@@ -2137,7 +2138,7 @@
           </a:lstStyle>
           <a:p>
             <a:r>
-              <a:rPr lang="es-ES" smtClean="0"/>
+              <a:rPr lang="es-ES"/>
               <a:t>Haga clic en el icono para agregar una imagen</a:t>
             </a:r>
             <a:endParaRPr lang="en-US" dirty="0"/>
@@ -2212,7 +2213,7 @@
           <a:p>
             <a:pPr lvl="0"/>
             <a:r>
-              <a:rPr lang="es-ES" smtClean="0"/>
+              <a:rPr lang="es-ES"/>
               <a:t>Haga clic para modificar el estilo de texto del patrón</a:t>
             </a:r>
           </a:p>
@@ -2235,7 +2236,7 @@
           <a:p>
             <a:fld id="{5890A9EB-A4A6-4917-9848-C80CD59B6762}" type="datetime1">
               <a:rPr lang="es-MX" smtClean="0"/>
-              <a:t>12/05/2019</a:t>
+              <a:t>15/04/2020</a:t>
             </a:fld>
             <a:endParaRPr lang="es-MX"/>
           </a:p>
@@ -2257,10 +2258,9 @@
           <a:lstStyle/>
           <a:p>
             <a:r>
-              <a:rPr lang="es-MX" smtClean="0"/>
+              <a:rPr lang="es-MX"/>
               <a:t>Edson André Cortés Silva</a:t>
             </a:r>
-            <a:endParaRPr lang="es-MX"/>
           </a:p>
         </p:txBody>
       </p:sp>
@@ -3128,7 +3128,7 @@
           </a:lstStyle>
           <a:p>
             <a:r>
-              <a:rPr lang="es-ES" smtClean="0"/>
+              <a:rPr lang="es-ES"/>
               <a:t>Haga clic para modificar el estilo de título del patrón</a:t>
             </a:r>
             <a:endParaRPr lang="en-US" dirty="0"/>
@@ -3196,7 +3196,7 @@
           <a:p>
             <a:pPr lvl="0"/>
             <a:r>
-              <a:rPr lang="es-ES" smtClean="0"/>
+              <a:rPr lang="es-ES"/>
               <a:t>Haga clic para modificar el estilo de texto del patrón</a:t>
             </a:r>
           </a:p>
@@ -3219,7 +3219,7 @@
           <a:p>
             <a:fld id="{0F6C2A6B-A981-4E56-AFD0-BE61A118B68D}" type="datetime1">
               <a:rPr lang="es-MX" smtClean="0"/>
-              <a:t>12/05/2019</a:t>
+              <a:t>15/04/2020</a:t>
             </a:fld>
             <a:endParaRPr lang="es-MX"/>
           </a:p>
@@ -3241,10 +3241,9 @@
           <a:lstStyle/>
           <a:p>
             <a:r>
-              <a:rPr lang="es-MX" smtClean="0"/>
+              <a:rPr lang="es-MX"/>
               <a:t>Edson André Cortés Silva</a:t>
             </a:r>
-            <a:endParaRPr lang="es-MX"/>
           </a:p>
         </p:txBody>
       </p:sp>
@@ -4190,7 +4189,7 @@
           </a:lstStyle>
           <a:p>
             <a:r>
-              <a:rPr lang="es-ES" smtClean="0"/>
+              <a:rPr lang="es-ES"/>
               <a:t>Haga clic para modificar el estilo de título del patrón</a:t>
             </a:r>
             <a:endParaRPr lang="en-US" dirty="0"/>
@@ -4267,7 +4266,7 @@
           <a:p>
             <a:pPr lvl="0"/>
             <a:r>
-              <a:rPr lang="es-ES" smtClean="0"/>
+              <a:rPr lang="es-ES"/>
               <a:t>Haga clic para modificar el estilo de texto del patrón</a:t>
             </a:r>
           </a:p>
@@ -4334,7 +4333,7 @@
           <a:p>
             <a:pPr lvl="0"/>
             <a:r>
-              <a:rPr lang="es-ES" smtClean="0"/>
+              <a:rPr lang="es-ES"/>
               <a:t>Haga clic para modificar el estilo de texto del patrón</a:t>
             </a:r>
           </a:p>
@@ -4357,7 +4356,7 @@
           <a:p>
             <a:fld id="{4A71D5DA-1311-4F23-8258-410A1A3C90A1}" type="datetime1">
               <a:rPr lang="es-MX" smtClean="0"/>
-              <a:t>12/05/2019</a:t>
+              <a:t>15/04/2020</a:t>
             </a:fld>
             <a:endParaRPr lang="es-MX"/>
           </a:p>
@@ -4379,10 +4378,9 @@
           <a:lstStyle/>
           <a:p>
             <a:r>
-              <a:rPr lang="es-MX" smtClean="0"/>
+              <a:rPr lang="es-MX"/>
               <a:t>Edson André Cortés Silva</a:t>
             </a:r>
-            <a:endParaRPr lang="es-MX"/>
           </a:p>
         </p:txBody>
       </p:sp>
@@ -5250,7 +5248,7 @@
           </a:lstStyle>
           <a:p>
             <a:r>
-              <a:rPr lang="es-ES" smtClean="0"/>
+              <a:rPr lang="es-ES"/>
               <a:t>Haga clic para modificar el estilo de título del patrón</a:t>
             </a:r>
             <a:endParaRPr lang="en-US" dirty="0"/>
@@ -5371,7 +5369,7 @@
           <a:p>
             <a:pPr lvl="0"/>
             <a:r>
-              <a:rPr lang="es-ES" smtClean="0"/>
+              <a:rPr lang="es-ES"/>
               <a:t>Haga clic para modificar el estilo de texto del patrón</a:t>
             </a:r>
           </a:p>
@@ -5394,7 +5392,7 @@
           <a:p>
             <a:fld id="{377FD986-9578-40C9-A0C3-418FDE376E0D}" type="datetime1">
               <a:rPr lang="es-MX" smtClean="0"/>
-              <a:t>12/05/2019</a:t>
+              <a:t>15/04/2020</a:t>
             </a:fld>
             <a:endParaRPr lang="es-MX"/>
           </a:p>
@@ -5416,10 +5414,9 @@
           <a:lstStyle/>
           <a:p>
             <a:r>
-              <a:rPr lang="es-MX" smtClean="0"/>
+              <a:rPr lang="es-MX"/>
               <a:t>Edson André Cortés Silva</a:t>
             </a:r>
-            <a:endParaRPr lang="es-MX"/>
           </a:p>
         </p:txBody>
       </p:sp>
@@ -5537,7 +5534,7 @@
           </a:lstStyle>
           <a:p>
             <a:r>
-              <a:rPr lang="es-ES" smtClean="0"/>
+              <a:rPr lang="es-ES"/>
               <a:t>Haga clic para modificar el estilo de título del patrón</a:t>
             </a:r>
             <a:endParaRPr lang="en-US" dirty="0"/>
@@ -5612,7 +5609,7 @@
           <a:p>
             <a:pPr lvl="0"/>
             <a:r>
-              <a:rPr lang="es-ES" smtClean="0"/>
+              <a:rPr lang="es-ES"/>
               <a:t>Haga clic para modificar el estilo de texto del patrón</a:t>
             </a:r>
           </a:p>
@@ -5679,7 +5676,7 @@
           <a:p>
             <a:pPr lvl="0"/>
             <a:r>
-              <a:rPr lang="es-ES" smtClean="0"/>
+              <a:rPr lang="es-ES"/>
               <a:t>Haga clic para modificar el estilo de texto del patrón</a:t>
             </a:r>
           </a:p>
@@ -5753,7 +5750,7 @@
           <a:p>
             <a:pPr lvl="0"/>
             <a:r>
-              <a:rPr lang="es-ES" smtClean="0"/>
+              <a:rPr lang="es-ES"/>
               <a:t>Haga clic para modificar el estilo de texto del patrón</a:t>
             </a:r>
           </a:p>
@@ -5820,7 +5817,7 @@
           <a:p>
             <a:pPr lvl="0"/>
             <a:r>
-              <a:rPr lang="es-ES" smtClean="0"/>
+              <a:rPr lang="es-ES"/>
               <a:t>Haga clic para modificar el estilo de texto del patrón</a:t>
             </a:r>
           </a:p>
@@ -5894,7 +5891,7 @@
           <a:p>
             <a:pPr lvl="0"/>
             <a:r>
-              <a:rPr lang="es-ES" smtClean="0"/>
+              <a:rPr lang="es-ES"/>
               <a:t>Haga clic para modificar el estilo de texto del patrón</a:t>
             </a:r>
           </a:p>
@@ -5961,7 +5958,7 @@
           <a:p>
             <a:pPr lvl="0"/>
             <a:r>
-              <a:rPr lang="es-ES" smtClean="0"/>
+              <a:rPr lang="es-ES"/>
               <a:t>Haga clic para modificar el estilo de texto del patrón</a:t>
             </a:r>
           </a:p>
@@ -6058,7 +6055,7 @@
           <a:p>
             <a:fld id="{B5742382-C87C-4F7E-9C39-9D03536CA13B}" type="datetime1">
               <a:rPr lang="es-MX" smtClean="0"/>
-              <a:t>12/05/2019</a:t>
+              <a:t>15/04/2020</a:t>
             </a:fld>
             <a:endParaRPr lang="es-MX"/>
           </a:p>
@@ -6080,10 +6077,9 @@
           <a:lstStyle/>
           <a:p>
             <a:r>
-              <a:rPr lang="es-MX" smtClean="0"/>
+              <a:rPr lang="es-MX"/>
               <a:t>Edson André Cortés Silva</a:t>
             </a:r>
-            <a:endParaRPr lang="es-MX"/>
           </a:p>
         </p:txBody>
       </p:sp>
@@ -6165,7 +6161,7 @@
           </a:lstStyle>
           <a:p>
             <a:r>
-              <a:rPr lang="es-ES" smtClean="0"/>
+              <a:rPr lang="es-ES"/>
               <a:t>Haga clic para modificar el estilo de título del patrón</a:t>
             </a:r>
             <a:endParaRPr lang="en-US" dirty="0"/>
@@ -6240,7 +6236,7 @@
           <a:p>
             <a:pPr lvl="0"/>
             <a:r>
-              <a:rPr lang="es-ES" smtClean="0"/>
+              <a:rPr lang="es-ES"/>
               <a:t>Haga clic para modificar el estilo de texto del patrón</a:t>
             </a:r>
           </a:p>
@@ -6318,7 +6314,7 @@
           </a:lstStyle>
           <a:p>
             <a:r>
-              <a:rPr lang="es-ES" smtClean="0"/>
+              <a:rPr lang="es-ES"/>
               <a:t>Haga clic en el icono para agregar una imagen</a:t>
             </a:r>
             <a:endParaRPr lang="en-US" dirty="0"/>
@@ -6386,7 +6382,7 @@
           <a:p>
             <a:pPr lvl="0"/>
             <a:r>
-              <a:rPr lang="es-ES" smtClean="0"/>
+              <a:rPr lang="es-ES"/>
               <a:t>Haga clic para modificar el estilo de texto del patrón</a:t>
             </a:r>
           </a:p>
@@ -6460,7 +6456,7 @@
           <a:p>
             <a:pPr lvl="0"/>
             <a:r>
-              <a:rPr lang="es-ES" smtClean="0"/>
+              <a:rPr lang="es-ES"/>
               <a:t>Haga clic para modificar el estilo de texto del patrón</a:t>
             </a:r>
           </a:p>
@@ -6538,7 +6534,7 @@
           </a:lstStyle>
           <a:p>
             <a:r>
-              <a:rPr lang="es-ES" smtClean="0"/>
+              <a:rPr lang="es-ES"/>
               <a:t>Haga clic en el icono para agregar una imagen</a:t>
             </a:r>
             <a:endParaRPr lang="en-US" dirty="0"/>
@@ -6606,7 +6602,7 @@
           <a:p>
             <a:pPr lvl="0"/>
             <a:r>
-              <a:rPr lang="es-ES" smtClean="0"/>
+              <a:rPr lang="es-ES"/>
               <a:t>Haga clic para modificar el estilo de texto del patrón</a:t>
             </a:r>
           </a:p>
@@ -6680,7 +6676,7 @@
           <a:p>
             <a:pPr lvl="0"/>
             <a:r>
-              <a:rPr lang="es-ES" smtClean="0"/>
+              <a:rPr lang="es-ES"/>
               <a:t>Haga clic para modificar el estilo de texto del patrón</a:t>
             </a:r>
           </a:p>
@@ -6758,7 +6754,7 @@
           </a:lstStyle>
           <a:p>
             <a:r>
-              <a:rPr lang="es-ES" smtClean="0"/>
+              <a:rPr lang="es-ES"/>
               <a:t>Haga clic en el icono para agregar una imagen</a:t>
             </a:r>
             <a:endParaRPr lang="en-US" dirty="0"/>
@@ -6826,7 +6822,7 @@
           <a:p>
             <a:pPr lvl="0"/>
             <a:r>
-              <a:rPr lang="es-ES" smtClean="0"/>
+              <a:rPr lang="es-ES"/>
               <a:t>Haga clic para modificar el estilo de texto del patrón</a:t>
             </a:r>
           </a:p>
@@ -6923,7 +6919,7 @@
           <a:p>
             <a:fld id="{5ED21FF7-B510-42E6-ACB4-E23BF5EB3F30}" type="datetime1">
               <a:rPr lang="es-MX" smtClean="0"/>
-              <a:t>12/05/2019</a:t>
+              <a:t>15/04/2020</a:t>
             </a:fld>
             <a:endParaRPr lang="es-MX"/>
           </a:p>
@@ -6950,10 +6946,9 @@
           <a:lstStyle/>
           <a:p>
             <a:r>
-              <a:rPr lang="es-MX" smtClean="0"/>
+              <a:rPr lang="es-MX"/>
               <a:t>Edson André Cortés Silva</a:t>
             </a:r>
-            <a:endParaRPr lang="es-MX"/>
           </a:p>
         </p:txBody>
       </p:sp>
@@ -7031,7 +7026,7 @@
           <a:lstStyle/>
           <a:p>
             <a:r>
-              <a:rPr lang="es-ES" smtClean="0"/>
+              <a:rPr lang="es-ES"/>
               <a:t>Haga clic para modificar el estilo de título del patrón</a:t>
             </a:r>
             <a:endParaRPr lang="en-US" dirty="0"/>
@@ -7060,35 +7055,35 @@
           <a:p>
             <a:pPr lvl="0"/>
             <a:r>
-              <a:rPr lang="es-ES" smtClean="0"/>
+              <a:rPr lang="es-ES"/>
               <a:t>Haga clic para modificar el estilo de texto del patrón</a:t>
             </a:r>
           </a:p>
           <a:p>
             <a:pPr lvl="1"/>
             <a:r>
-              <a:rPr lang="es-ES" smtClean="0"/>
+              <a:rPr lang="es-ES"/>
               <a:t>Segundo nivel</a:t>
             </a:r>
           </a:p>
           <a:p>
             <a:pPr lvl="2"/>
             <a:r>
-              <a:rPr lang="es-ES" smtClean="0"/>
+              <a:rPr lang="es-ES"/>
               <a:t>Tercer nivel</a:t>
             </a:r>
           </a:p>
           <a:p>
             <a:pPr lvl="3"/>
             <a:r>
-              <a:rPr lang="es-ES" smtClean="0"/>
+              <a:rPr lang="es-ES"/>
               <a:t>Cuarto nivel</a:t>
             </a:r>
           </a:p>
           <a:p>
             <a:pPr lvl="4"/>
             <a:r>
-              <a:rPr lang="es-ES" smtClean="0"/>
+              <a:rPr lang="es-ES"/>
               <a:t>Quinto nivel</a:t>
             </a:r>
             <a:endParaRPr lang="en-US" dirty="0"/>
@@ -7117,7 +7112,7 @@
           <a:p>
             <a:fld id="{93442067-7F43-48CF-A089-AEDDE6C5B98E}" type="datetime1">
               <a:rPr lang="es-MX" smtClean="0"/>
-              <a:t>12/05/2019</a:t>
+              <a:t>15/04/2020</a:t>
             </a:fld>
             <a:endParaRPr lang="es-MX"/>
           </a:p>
@@ -7139,10 +7134,9 @@
           <a:lstStyle/>
           <a:p>
             <a:r>
-              <a:rPr lang="es-MX" smtClean="0"/>
+              <a:rPr lang="es-MX"/>
               <a:t>Edson André Cortés Silva</a:t>
             </a:r>
-            <a:endParaRPr lang="es-MX"/>
           </a:p>
         </p:txBody>
       </p:sp>
@@ -8007,7 +8001,7 @@
           <a:lstStyle/>
           <a:p>
             <a:r>
-              <a:rPr lang="es-ES" smtClean="0"/>
+              <a:rPr lang="es-ES"/>
               <a:t>Haga clic para modificar el estilo de título del patrón</a:t>
             </a:r>
             <a:endParaRPr lang="en-US" dirty="0"/>
@@ -8036,35 +8030,35 @@
           <a:p>
             <a:pPr lvl="0"/>
             <a:r>
-              <a:rPr lang="es-ES" smtClean="0"/>
+              <a:rPr lang="es-ES"/>
               <a:t>Haga clic para modificar el estilo de texto del patrón</a:t>
             </a:r>
           </a:p>
           <a:p>
             <a:pPr lvl="1"/>
             <a:r>
-              <a:rPr lang="es-ES" smtClean="0"/>
+              <a:rPr lang="es-ES"/>
               <a:t>Segundo nivel</a:t>
             </a:r>
           </a:p>
           <a:p>
             <a:pPr lvl="2"/>
             <a:r>
-              <a:rPr lang="es-ES" smtClean="0"/>
+              <a:rPr lang="es-ES"/>
               <a:t>Tercer nivel</a:t>
             </a:r>
           </a:p>
           <a:p>
             <a:pPr lvl="3"/>
             <a:r>
-              <a:rPr lang="es-ES" smtClean="0"/>
+              <a:rPr lang="es-ES"/>
               <a:t>Cuarto nivel</a:t>
             </a:r>
           </a:p>
           <a:p>
             <a:pPr lvl="4"/>
             <a:r>
-              <a:rPr lang="es-ES" smtClean="0"/>
+              <a:rPr lang="es-ES"/>
               <a:t>Quinto nivel</a:t>
             </a:r>
             <a:endParaRPr lang="en-US" dirty="0"/>
@@ -8093,7 +8087,7 @@
           <a:p>
             <a:fld id="{46692BF6-3A7F-4F1B-A578-EA7A030B7CA4}" type="datetime1">
               <a:rPr lang="es-MX" smtClean="0"/>
-              <a:t>12/05/2019</a:t>
+              <a:t>15/04/2020</a:t>
             </a:fld>
             <a:endParaRPr lang="es-MX"/>
           </a:p>
@@ -8115,10 +8109,9 @@
           <a:lstStyle/>
           <a:p>
             <a:r>
-              <a:rPr lang="es-MX" smtClean="0"/>
+              <a:rPr lang="es-MX"/>
               <a:t>Edson André Cortés Silva</a:t>
             </a:r>
-            <a:endParaRPr lang="es-MX"/>
           </a:p>
         </p:txBody>
       </p:sp>
@@ -8227,7 +8220,7 @@
           <a:lstStyle/>
           <a:p>
             <a:r>
-              <a:rPr lang="es-ES" smtClean="0"/>
+              <a:rPr lang="es-ES"/>
               <a:t>Haga clic para modificar el estilo de título del patrón</a:t>
             </a:r>
             <a:endParaRPr lang="en-US" dirty="0"/>
@@ -8256,35 +8249,35 @@
           <a:p>
             <a:pPr lvl="0"/>
             <a:r>
-              <a:rPr lang="es-ES" smtClean="0"/>
+              <a:rPr lang="es-ES"/>
               <a:t>Haga clic para modificar el estilo de texto del patrón</a:t>
             </a:r>
           </a:p>
           <a:p>
             <a:pPr lvl="1"/>
             <a:r>
-              <a:rPr lang="es-ES" smtClean="0"/>
+              <a:rPr lang="es-ES"/>
               <a:t>Segundo nivel</a:t>
             </a:r>
           </a:p>
           <a:p>
             <a:pPr lvl="2"/>
             <a:r>
-              <a:rPr lang="es-ES" smtClean="0"/>
+              <a:rPr lang="es-ES"/>
               <a:t>Tercer nivel</a:t>
             </a:r>
           </a:p>
           <a:p>
             <a:pPr lvl="3"/>
             <a:r>
-              <a:rPr lang="es-ES" smtClean="0"/>
+              <a:rPr lang="es-ES"/>
               <a:t>Cuarto nivel</a:t>
             </a:r>
           </a:p>
           <a:p>
             <a:pPr lvl="4"/>
             <a:r>
-              <a:rPr lang="es-ES" smtClean="0"/>
+              <a:rPr lang="es-ES"/>
               <a:t>Quinto nivel</a:t>
             </a:r>
             <a:endParaRPr lang="en-US" dirty="0"/>
@@ -8308,7 +8301,7 @@
           <a:p>
             <a:fld id="{F392C5FF-E760-4031-8DD3-4643D0EDBE37}" type="datetime1">
               <a:rPr lang="es-MX" smtClean="0"/>
-              <a:t>12/05/2019</a:t>
+              <a:t>15/04/2020</a:t>
             </a:fld>
             <a:endParaRPr lang="es-MX"/>
           </a:p>
@@ -8330,10 +8323,9 @@
           <a:lstStyle/>
           <a:p>
             <a:r>
-              <a:rPr lang="es-MX" smtClean="0"/>
+              <a:rPr lang="es-MX"/>
               <a:t>Edson André Cortés Silva</a:t>
             </a:r>
-            <a:endParaRPr lang="es-MX"/>
           </a:p>
         </p:txBody>
       </p:sp>
@@ -9202,7 +9194,7 @@
           </a:lstStyle>
           <a:p>
             <a:r>
-              <a:rPr lang="es-ES" smtClean="0"/>
+              <a:rPr lang="es-ES"/>
               <a:t>Haga clic para modificar el estilo de título del patrón</a:t>
             </a:r>
             <a:endParaRPr lang="en-US" dirty="0"/>
@@ -9323,7 +9315,7 @@
           <a:p>
             <a:pPr lvl="0"/>
             <a:r>
-              <a:rPr lang="es-ES" smtClean="0"/>
+              <a:rPr lang="es-ES"/>
               <a:t>Haga clic para modificar el estilo de texto del patrón</a:t>
             </a:r>
           </a:p>
@@ -9346,7 +9338,7 @@
           <a:p>
             <a:fld id="{C46FB669-2500-492A-8E8B-56AEBC0A0740}" type="datetime1">
               <a:rPr lang="es-MX" smtClean="0"/>
-              <a:t>12/05/2019</a:t>
+              <a:t>15/04/2020</a:t>
             </a:fld>
             <a:endParaRPr lang="es-MX"/>
           </a:p>
@@ -9368,10 +9360,9 @@
           <a:lstStyle/>
           <a:p>
             <a:r>
-              <a:rPr lang="es-MX" smtClean="0"/>
+              <a:rPr lang="es-MX"/>
               <a:t>Edson André Cortés Silva</a:t>
             </a:r>
-            <a:endParaRPr lang="es-MX"/>
           </a:p>
         </p:txBody>
       </p:sp>
@@ -9480,7 +9471,7 @@
           <a:lstStyle/>
           <a:p>
             <a:r>
-              <a:rPr lang="es-ES" smtClean="0"/>
+              <a:rPr lang="es-ES"/>
               <a:t>Haga clic para modificar el estilo de título del patrón</a:t>
             </a:r>
             <a:endParaRPr lang="en-US" dirty="0"/>
@@ -9511,35 +9502,35 @@
           <a:p>
             <a:pPr lvl="0"/>
             <a:r>
-              <a:rPr lang="es-ES" smtClean="0"/>
+              <a:rPr lang="es-ES"/>
               <a:t>Haga clic para modificar el estilo de texto del patrón</a:t>
             </a:r>
           </a:p>
           <a:p>
             <a:pPr lvl="1"/>
             <a:r>
-              <a:rPr lang="es-ES" smtClean="0"/>
+              <a:rPr lang="es-ES"/>
               <a:t>Segundo nivel</a:t>
             </a:r>
           </a:p>
           <a:p>
             <a:pPr lvl="2"/>
             <a:r>
-              <a:rPr lang="es-ES" smtClean="0"/>
+              <a:rPr lang="es-ES"/>
               <a:t>Tercer nivel</a:t>
             </a:r>
           </a:p>
           <a:p>
             <a:pPr lvl="3"/>
             <a:r>
-              <a:rPr lang="es-ES" smtClean="0"/>
+              <a:rPr lang="es-ES"/>
               <a:t>Cuarto nivel</a:t>
             </a:r>
           </a:p>
           <a:p>
             <a:pPr lvl="4"/>
             <a:r>
-              <a:rPr lang="es-ES" smtClean="0"/>
+              <a:rPr lang="es-ES"/>
               <a:t>Quinto nivel</a:t>
             </a:r>
             <a:endParaRPr lang="en-US" dirty="0"/>
@@ -9570,35 +9561,35 @@
           <a:p>
             <a:pPr lvl="0"/>
             <a:r>
-              <a:rPr lang="es-ES" smtClean="0"/>
+              <a:rPr lang="es-ES"/>
               <a:t>Haga clic para modificar el estilo de texto del patrón</a:t>
             </a:r>
           </a:p>
           <a:p>
             <a:pPr lvl="1"/>
             <a:r>
-              <a:rPr lang="es-ES" smtClean="0"/>
+              <a:rPr lang="es-ES"/>
               <a:t>Segundo nivel</a:t>
             </a:r>
           </a:p>
           <a:p>
             <a:pPr lvl="2"/>
             <a:r>
-              <a:rPr lang="es-ES" smtClean="0"/>
+              <a:rPr lang="es-ES"/>
               <a:t>Tercer nivel</a:t>
             </a:r>
           </a:p>
           <a:p>
             <a:pPr lvl="3"/>
             <a:r>
-              <a:rPr lang="es-ES" smtClean="0"/>
+              <a:rPr lang="es-ES"/>
               <a:t>Cuarto nivel</a:t>
             </a:r>
           </a:p>
           <a:p>
             <a:pPr lvl="4"/>
             <a:r>
-              <a:rPr lang="es-ES" smtClean="0"/>
+              <a:rPr lang="es-ES"/>
               <a:t>Quinto nivel</a:t>
             </a:r>
             <a:endParaRPr lang="en-US" dirty="0"/>
@@ -9622,7 +9613,7 @@
           <a:p>
             <a:fld id="{6CE8594E-D43A-4013-981C-07B98F9E18E3}" type="datetime1">
               <a:rPr lang="es-MX" smtClean="0"/>
-              <a:t>12/05/2019</a:t>
+              <a:t>15/04/2020</a:t>
             </a:fld>
             <a:endParaRPr lang="es-MX"/>
           </a:p>
@@ -9644,10 +9635,9 @@
           <a:lstStyle/>
           <a:p>
             <a:r>
-              <a:rPr lang="es-MX" smtClean="0"/>
+              <a:rPr lang="es-MX"/>
               <a:t>Edson André Cortés Silva</a:t>
             </a:r>
-            <a:endParaRPr lang="es-MX"/>
           </a:p>
         </p:txBody>
       </p:sp>
@@ -9724,7 +9714,7 @@
           </a:lstStyle>
           <a:p>
             <a:r>
-              <a:rPr lang="es-ES" smtClean="0"/>
+              <a:rPr lang="es-ES"/>
               <a:t>Haga clic para modificar el estilo de título del patrón</a:t>
             </a:r>
             <a:endParaRPr lang="en-US" dirty="0"/>
@@ -9796,7 +9786,7 @@
           <a:p>
             <a:pPr lvl="0"/>
             <a:r>
-              <a:rPr lang="es-ES" smtClean="0"/>
+              <a:rPr lang="es-ES"/>
               <a:t>Haga clic para modificar el estilo de texto del patrón</a:t>
             </a:r>
           </a:p>
@@ -9826,35 +9816,35 @@
           <a:p>
             <a:pPr lvl="0"/>
             <a:r>
-              <a:rPr lang="es-ES" smtClean="0"/>
+              <a:rPr lang="es-ES"/>
               <a:t>Haga clic para modificar el estilo de texto del patrón</a:t>
             </a:r>
           </a:p>
           <a:p>
             <a:pPr lvl="1"/>
             <a:r>
-              <a:rPr lang="es-ES" smtClean="0"/>
+              <a:rPr lang="es-ES"/>
               <a:t>Segundo nivel</a:t>
             </a:r>
           </a:p>
           <a:p>
             <a:pPr lvl="2"/>
             <a:r>
-              <a:rPr lang="es-ES" smtClean="0"/>
+              <a:rPr lang="es-ES"/>
               <a:t>Tercer nivel</a:t>
             </a:r>
           </a:p>
           <a:p>
             <a:pPr lvl="3"/>
             <a:r>
-              <a:rPr lang="es-ES" smtClean="0"/>
+              <a:rPr lang="es-ES"/>
               <a:t>Cuarto nivel</a:t>
             </a:r>
           </a:p>
           <a:p>
             <a:pPr lvl="4"/>
             <a:r>
-              <a:rPr lang="es-ES" smtClean="0"/>
+              <a:rPr lang="es-ES"/>
               <a:t>Quinto nivel</a:t>
             </a:r>
             <a:endParaRPr lang="en-US" dirty="0"/>
@@ -9926,7 +9916,7 @@
           <a:p>
             <a:pPr lvl="0"/>
             <a:r>
-              <a:rPr lang="es-ES" smtClean="0"/>
+              <a:rPr lang="es-ES"/>
               <a:t>Haga clic para modificar el estilo de texto del patrón</a:t>
             </a:r>
           </a:p>
@@ -9984,35 +9974,35 @@
           <a:p>
             <a:pPr lvl="0"/>
             <a:r>
-              <a:rPr lang="es-ES" smtClean="0"/>
+              <a:rPr lang="es-ES"/>
               <a:t>Haga clic para modificar el estilo de texto del patrón</a:t>
             </a:r>
           </a:p>
           <a:p>
             <a:pPr lvl="1"/>
             <a:r>
-              <a:rPr lang="es-ES" smtClean="0"/>
+              <a:rPr lang="es-ES"/>
               <a:t>Segundo nivel</a:t>
             </a:r>
           </a:p>
           <a:p>
             <a:pPr lvl="2"/>
             <a:r>
-              <a:rPr lang="es-ES" smtClean="0"/>
+              <a:rPr lang="es-ES"/>
               <a:t>Tercer nivel</a:t>
             </a:r>
           </a:p>
           <a:p>
             <a:pPr lvl="3"/>
             <a:r>
-              <a:rPr lang="es-ES" smtClean="0"/>
+              <a:rPr lang="es-ES"/>
               <a:t>Cuarto nivel</a:t>
             </a:r>
           </a:p>
           <a:p>
             <a:pPr lvl="4"/>
             <a:r>
-              <a:rPr lang="es-ES" smtClean="0"/>
+              <a:rPr lang="es-ES"/>
               <a:t>Quinto nivel</a:t>
             </a:r>
             <a:endParaRPr lang="en-US" dirty="0"/>
@@ -10036,7 +10026,7 @@
           <a:p>
             <a:fld id="{D79A9D06-351B-4DB2-B5FB-A231F4C2014A}" type="datetime1">
               <a:rPr lang="es-MX" smtClean="0"/>
-              <a:t>12/05/2019</a:t>
+              <a:t>15/04/2020</a:t>
             </a:fld>
             <a:endParaRPr lang="es-MX"/>
           </a:p>
@@ -10058,10 +10048,9 @@
           <a:lstStyle/>
           <a:p>
             <a:r>
-              <a:rPr lang="es-MX" smtClean="0"/>
+              <a:rPr lang="es-MX"/>
               <a:t>Edson André Cortés Silva</a:t>
             </a:r>
-            <a:endParaRPr lang="es-MX"/>
           </a:p>
         </p:txBody>
       </p:sp>
@@ -10143,7 +10132,7 @@
           </a:lstStyle>
           <a:p>
             <a:r>
-              <a:rPr lang="es-ES" smtClean="0"/>
+              <a:rPr lang="es-ES"/>
               <a:t>Haga clic para modificar el estilo de título del patrón</a:t>
             </a:r>
             <a:endParaRPr lang="en-US" dirty="0"/>
@@ -10167,7 +10156,7 @@
           <a:p>
             <a:fld id="{06D3EB1C-273F-4AC6-9EAB-8129E9ABEAD4}" type="datetime1">
               <a:rPr lang="es-MX" smtClean="0"/>
-              <a:t>12/05/2019</a:t>
+              <a:t>15/04/2020</a:t>
             </a:fld>
             <a:endParaRPr lang="es-MX"/>
           </a:p>
@@ -10189,10 +10178,9 @@
           <a:lstStyle/>
           <a:p>
             <a:r>
-              <a:rPr lang="es-MX" smtClean="0"/>
+              <a:rPr lang="es-MX"/>
               <a:t>Edson André Cortés Silva</a:t>
             </a:r>
-            <a:endParaRPr lang="es-MX"/>
           </a:p>
         </p:txBody>
       </p:sp>
@@ -10266,7 +10254,7 @@
           <a:p>
             <a:fld id="{B385CEA6-90B0-4BCB-BE5A-E0DC2C23AB9F}" type="datetime1">
               <a:rPr lang="es-MX" smtClean="0"/>
-              <a:t>12/05/2019</a:t>
+              <a:t>15/04/2020</a:t>
             </a:fld>
             <a:endParaRPr lang="es-MX"/>
           </a:p>
@@ -10288,10 +10276,9 @@
           <a:lstStyle/>
           <a:p>
             <a:r>
-              <a:rPr lang="es-MX" smtClean="0"/>
+              <a:rPr lang="es-MX"/>
               <a:t>Edson André Cortés Silva</a:t>
             </a:r>
-            <a:endParaRPr lang="es-MX"/>
           </a:p>
         </p:txBody>
       </p:sp>
@@ -11196,7 +11183,7 @@
           </a:lstStyle>
           <a:p>
             <a:r>
-              <a:rPr lang="es-ES" smtClean="0"/>
+              <a:rPr lang="es-ES"/>
               <a:t>Haga clic para modificar el estilo de título del patrón</a:t>
             </a:r>
             <a:endParaRPr lang="en-US" dirty="0"/>
@@ -11227,35 +11214,35 @@
           <a:p>
             <a:pPr lvl="0"/>
             <a:r>
-              <a:rPr lang="es-ES" smtClean="0"/>
+              <a:rPr lang="es-ES"/>
               <a:t>Haga clic para modificar el estilo de texto del patrón</a:t>
             </a:r>
           </a:p>
           <a:p>
             <a:pPr lvl="1"/>
             <a:r>
-              <a:rPr lang="es-ES" smtClean="0"/>
+              <a:rPr lang="es-ES"/>
               <a:t>Segundo nivel</a:t>
             </a:r>
           </a:p>
           <a:p>
             <a:pPr lvl="2"/>
             <a:r>
-              <a:rPr lang="es-ES" smtClean="0"/>
+              <a:rPr lang="es-ES"/>
               <a:t>Tercer nivel</a:t>
             </a:r>
           </a:p>
           <a:p>
             <a:pPr lvl="3"/>
             <a:r>
-              <a:rPr lang="es-ES" smtClean="0"/>
+              <a:rPr lang="es-ES"/>
               <a:t>Cuarto nivel</a:t>
             </a:r>
           </a:p>
           <a:p>
             <a:pPr lvl="4"/>
             <a:r>
-              <a:rPr lang="es-ES" smtClean="0"/>
+              <a:rPr lang="es-ES"/>
               <a:t>Quinto nivel</a:t>
             </a:r>
             <a:endParaRPr lang="en-US" dirty="0"/>
@@ -11328,7 +11315,7 @@
           <a:p>
             <a:pPr lvl="0"/>
             <a:r>
-              <a:rPr lang="es-ES" smtClean="0"/>
+              <a:rPr lang="es-ES"/>
               <a:t>Haga clic para modificar el estilo de texto del patrón</a:t>
             </a:r>
           </a:p>
@@ -11351,7 +11338,7 @@
           <a:p>
             <a:fld id="{FFE0A990-9F1B-4B97-A8B6-F3C1B5A59DAF}" type="datetime1">
               <a:rPr lang="es-MX" smtClean="0"/>
-              <a:t>12/05/2019</a:t>
+              <a:t>15/04/2020</a:t>
             </a:fld>
             <a:endParaRPr lang="es-MX"/>
           </a:p>
@@ -11373,10 +11360,9 @@
           <a:lstStyle/>
           <a:p>
             <a:r>
-              <a:rPr lang="es-MX" smtClean="0"/>
+              <a:rPr lang="es-MX"/>
               <a:t>Edson André Cortés Silva</a:t>
             </a:r>
-            <a:endParaRPr lang="es-MX"/>
           </a:p>
         </p:txBody>
       </p:sp>
@@ -12283,7 +12269,7 @@
           </a:lstStyle>
           <a:p>
             <a:r>
-              <a:rPr lang="es-ES" smtClean="0"/>
+              <a:rPr lang="es-ES"/>
               <a:t>Haga clic para modificar el estilo de título del patrón</a:t>
             </a:r>
             <a:endParaRPr lang="en-US" dirty="0"/>
@@ -12365,7 +12351,7 @@
               <a:buNone/>
             </a:pPr>
             <a:r>
-              <a:rPr lang="es-ES" smtClean="0"/>
+              <a:rPr lang="es-ES"/>
               <a:t>Haga clic en el icono para agregar una imagen</a:t>
             </a:r>
             <a:endParaRPr lang="en-US" dirty="0"/>
@@ -12440,7 +12426,7 @@
           <a:p>
             <a:pPr lvl="0"/>
             <a:r>
-              <a:rPr lang="es-ES" smtClean="0"/>
+              <a:rPr lang="es-ES"/>
               <a:t>Haga clic para modificar el estilo de texto del patrón</a:t>
             </a:r>
           </a:p>
@@ -12463,7 +12449,7 @@
           <a:p>
             <a:fld id="{5ADEA8AC-E45A-4D88-ADDE-EEDB1EA068EB}" type="datetime1">
               <a:rPr lang="es-MX" smtClean="0"/>
-              <a:t>12/05/2019</a:t>
+              <a:t>15/04/2020</a:t>
             </a:fld>
             <a:endParaRPr lang="es-MX"/>
           </a:p>
@@ -12485,10 +12471,9 @@
           <a:lstStyle/>
           <a:p>
             <a:r>
-              <a:rPr lang="es-MX" smtClean="0"/>
+              <a:rPr lang="es-MX"/>
               <a:t>Edson André Cortés Silva</a:t>
             </a:r>
-            <a:endParaRPr lang="es-MX"/>
           </a:p>
         </p:txBody>
       </p:sp>
@@ -13362,7 +13347,7 @@
           <a:lstStyle/>
           <a:p>
             <a:r>
-              <a:rPr lang="es-ES" smtClean="0"/>
+              <a:rPr lang="es-ES"/>
               <a:t>Haga clic para modificar el estilo de título del patrón</a:t>
             </a:r>
             <a:endParaRPr lang="en-US" dirty="0"/>
@@ -13396,35 +13381,35 @@
           <a:p>
             <a:pPr lvl="0"/>
             <a:r>
-              <a:rPr lang="es-ES" smtClean="0"/>
+              <a:rPr lang="es-ES"/>
               <a:t>Haga clic para modificar el estilo de texto del patrón</a:t>
             </a:r>
           </a:p>
           <a:p>
             <a:pPr lvl="1"/>
             <a:r>
-              <a:rPr lang="es-ES" smtClean="0"/>
+              <a:rPr lang="es-ES"/>
               <a:t>Segundo nivel</a:t>
             </a:r>
           </a:p>
           <a:p>
             <a:pPr lvl="2"/>
             <a:r>
-              <a:rPr lang="es-ES" smtClean="0"/>
+              <a:rPr lang="es-ES"/>
               <a:t>Tercer nivel</a:t>
             </a:r>
           </a:p>
           <a:p>
             <a:pPr lvl="3"/>
             <a:r>
-              <a:rPr lang="es-ES" smtClean="0"/>
+              <a:rPr lang="es-ES"/>
               <a:t>Cuarto nivel</a:t>
             </a:r>
           </a:p>
           <a:p>
             <a:pPr lvl="4"/>
             <a:r>
-              <a:rPr lang="es-ES" smtClean="0"/>
+              <a:rPr lang="es-ES"/>
               <a:t>Quinto nivel</a:t>
             </a:r>
             <a:endParaRPr lang="en-US" dirty="0"/>
@@ -13464,7 +13449,7 @@
           <a:p>
             <a:fld id="{E012F7D2-4DEB-445A-92DF-8FEA2136673E}" type="datetime1">
               <a:rPr lang="es-MX" smtClean="0"/>
-              <a:t>12/05/2019</a:t>
+              <a:t>15/04/2020</a:t>
             </a:fld>
             <a:endParaRPr lang="es-MX"/>
           </a:p>
@@ -13502,10 +13487,9 @@
           </a:lstStyle>
           <a:p>
             <a:r>
-              <a:rPr lang="es-MX" smtClean="0"/>
+              <a:rPr lang="es-MX"/>
               <a:t>Edson André Cortés Silva</a:t>
             </a:r>
-            <a:endParaRPr lang="es-MX"/>
           </a:p>
         </p:txBody>
       </p:sp>
@@ -14044,10 +14028,9 @@
           <a:lstStyle/>
           <a:p>
             <a:r>
-              <a:rPr lang="es-MX" dirty="0" smtClean="0"/>
+              <a:rPr lang="es-MX" dirty="0"/>
               <a:t>Primera forma de normalización</a:t>
             </a:r>
-            <a:endParaRPr lang="es-MX" dirty="0"/>
           </a:p>
         </p:txBody>
       </p:sp>
@@ -14067,10 +14050,9 @@
           <a:lstStyle/>
           <a:p>
             <a:r>
-              <a:rPr lang="es-MX" dirty="0" smtClean="0"/>
+              <a:rPr lang="es-MX" dirty="0"/>
               <a:t>Dependencias</a:t>
             </a:r>
-            <a:endParaRPr lang="es-MX" dirty="0"/>
           </a:p>
         </p:txBody>
       </p:sp>
@@ -14090,7 +14072,7 @@
           <a:lstStyle/>
           <a:p>
             <a:r>
-              <a:rPr lang="es-MX" dirty="0" smtClean="0"/>
+              <a:rPr lang="es-MX" dirty="0"/>
               <a:t>Funcionales</a:t>
             </a:r>
           </a:p>
@@ -14099,11 +14081,11 @@
               <a:buNone/>
             </a:pPr>
             <a:r>
-              <a:rPr lang="es-MX" sz="1400" dirty="0" err="1" smtClean="0"/>
+              <a:rPr lang="es-MX" sz="1400" dirty="0" err="1"/>
               <a:t>Id_Orden</a:t>
             </a:r>
             <a:r>
-              <a:rPr lang="es-MX" sz="1400" dirty="0" smtClean="0"/>
+              <a:rPr lang="es-MX" sz="1400" dirty="0"/>
               <a:t>- &gt; ( Fecha, </a:t>
             </a:r>
           </a:p>
@@ -14112,17 +14094,17 @@
               <a:buNone/>
             </a:pPr>
             <a:r>
-              <a:rPr lang="es-MX" sz="1400" dirty="0" err="1" smtClean="0"/>
+              <a:rPr lang="es-MX" sz="1400" dirty="0" err="1"/>
               <a:t>Id_Client,Estado,Nom_client,Num_art,Nom_art,cant,precio</a:t>
             </a:r>
             <a:r>
-              <a:rPr lang="es-MX" sz="1400" dirty="0" smtClean="0"/>
+              <a:rPr lang="es-MX" sz="1400" dirty="0"/>
               <a:t>)</a:t>
             </a:r>
           </a:p>
           <a:p>
             <a:r>
-              <a:rPr lang="es-MX" dirty="0" smtClean="0"/>
+              <a:rPr lang="es-MX" dirty="0"/>
               <a:t>Transitivas</a:t>
             </a:r>
           </a:p>
@@ -14131,19 +14113,19 @@
               <a:buNone/>
             </a:pPr>
             <a:r>
-              <a:rPr lang="es-MX" sz="1400" dirty="0" err="1" smtClean="0"/>
+              <a:rPr lang="es-MX" sz="1400" dirty="0" err="1"/>
               <a:t>Id_client</a:t>
             </a:r>
             <a:r>
-              <a:rPr lang="es-MX" sz="1400" dirty="0" smtClean="0"/>
+              <a:rPr lang="es-MX" sz="1400" dirty="0"/>
               <a:t>-&gt; (Estado, </a:t>
             </a:r>
             <a:r>
-              <a:rPr lang="es-MX" sz="1400" dirty="0" err="1" smtClean="0"/>
+              <a:rPr lang="es-MX" sz="1400" dirty="0" err="1"/>
               <a:t>Nom_client</a:t>
             </a:r>
             <a:r>
-              <a:rPr lang="es-MX" sz="1400" dirty="0" smtClean="0"/>
+              <a:rPr lang="es-MX" sz="1400" dirty="0"/>
               <a:t>)</a:t>
             </a:r>
           </a:p>
@@ -14152,19 +14134,19 @@
               <a:buNone/>
             </a:pPr>
             <a:r>
-              <a:rPr lang="es-MX" sz="1400" dirty="0" err="1" smtClean="0"/>
+              <a:rPr lang="es-MX" sz="1400" dirty="0" err="1"/>
               <a:t>Num_art</a:t>
             </a:r>
             <a:r>
-              <a:rPr lang="es-MX" sz="1400" dirty="0" smtClean="0"/>
+              <a:rPr lang="es-MX" sz="1400" dirty="0"/>
               <a:t> -&gt; (</a:t>
             </a:r>
             <a:r>
-              <a:rPr lang="es-MX" sz="1400" dirty="0" err="1" smtClean="0"/>
+              <a:rPr lang="es-MX" sz="1400" dirty="0" err="1"/>
               <a:t>Nom_art,precio</a:t>
             </a:r>
             <a:r>
-              <a:rPr lang="es-MX" sz="1400" dirty="0" smtClean="0"/>
+              <a:rPr lang="es-MX" sz="1400" dirty="0"/>
               <a:t>)</a:t>
             </a:r>
           </a:p>
@@ -14198,11 +14180,7 @@
             </a:pPr>
             <a:r>
               <a:rPr lang="es-MX" sz="1600" dirty="0"/>
-              <a:t>	</a:t>
-            </a:r>
-            <a:r>
-              <a:rPr lang="es-MX" sz="1600" dirty="0" smtClean="0"/>
-              <a:t>Llaves primarias</a:t>
+              <a:t>	Llaves primarias</a:t>
             </a:r>
           </a:p>
           <a:p>
@@ -14408,10 +14386,9 @@
           <a:lstStyle/>
           <a:p>
             <a:r>
-              <a:rPr lang="es-MX" smtClean="0"/>
+              <a:rPr lang="es-MX"/>
               <a:t>Edson André Cortés Silva</a:t>
             </a:r>
-            <a:endParaRPr lang="es-MX"/>
           </a:p>
         </p:txBody>
       </p:sp>
@@ -14425,13 +14402,6 @@
   <p:clrMapOvr>
     <a:masterClrMapping/>
   </p:clrMapOvr>
-  <p:timing>
-    <p:tnLst>
-      <p:par>
-        <p:cTn id="1" dur="indefinite" restart="never" nodeType="tmRoot"/>
-      </p:par>
-    </p:tnLst>
-  </p:timing>
 </p:sld>
 </file>
 
@@ -14468,10 +14438,9 @@
           <a:lstStyle/>
           <a:p>
             <a:r>
-              <a:rPr lang="es-MX" dirty="0" smtClean="0"/>
+              <a:rPr lang="es-MX" dirty="0"/>
               <a:t>Segunda Forma de normalización</a:t>
             </a:r>
-            <a:endParaRPr lang="es-MX" dirty="0"/>
           </a:p>
         </p:txBody>
       </p:sp>
@@ -14500,8 +14469,20 @@
                 <a:tableStyleId>{5C22544A-7EE6-4342-B048-85BDC9FD1C3A}</a:tableStyleId>
               </a:tblPr>
               <a:tblGrid>
-                <a:gridCol w="1579093"/>
-                <a:gridCol w="1579093"/>
+                <a:gridCol w="1579093">
+                  <a:extLst>
+                    <a:ext uri="{9D8B030D-6E8A-4147-A177-3AD203B41FA5}">
+                      <a16:colId xmlns:a16="http://schemas.microsoft.com/office/drawing/2014/main" val="20000"/>
+                    </a:ext>
+                  </a:extLst>
+                </a:gridCol>
+                <a:gridCol w="1579093">
+                  <a:extLst>
+                    <a:ext uri="{9D8B030D-6E8A-4147-A177-3AD203B41FA5}">
+                      <a16:colId xmlns:a16="http://schemas.microsoft.com/office/drawing/2014/main" val="20001"/>
+                    </a:ext>
+                  </a:extLst>
+                </a:gridCol>
               </a:tblGrid>
               <a:tr h="338255">
                 <a:tc>
@@ -14510,7 +14491,7 @@
                     <a:lstStyle/>
                     <a:p>
                       <a:r>
-                        <a:rPr lang="es-MX" u="sng" dirty="0" err="1" smtClean="0"/>
+                        <a:rPr lang="es-MX" u="sng" dirty="0" err="1"/>
                         <a:t>Id_Ord</a:t>
                       </a:r>
                       <a:endParaRPr lang="es-MX" u="sng" dirty="0"/>
@@ -14524,14 +14505,18 @@
                     <a:lstStyle/>
                     <a:p>
                       <a:r>
-                        <a:rPr lang="es-MX" dirty="0" smtClean="0"/>
+                        <a:rPr lang="es-MX" dirty="0"/>
                         <a:t>Fecha</a:t>
                       </a:r>
-                      <a:endParaRPr lang="es-MX" dirty="0"/>
                     </a:p>
                   </a:txBody>
                   <a:tcPr/>
                 </a:tc>
+                <a:extLst>
+                  <a:ext uri="{0D108BD9-81ED-4DB2-BD59-A6C34878D82A}">
+                    <a16:rowId xmlns:a16="http://schemas.microsoft.com/office/drawing/2014/main" val="10000"/>
+                  </a:ext>
+                </a:extLst>
               </a:tr>
               <a:tr h="338255">
                 <a:tc>
@@ -14540,10 +14525,9 @@
                     <a:lstStyle/>
                     <a:p>
                       <a:r>
-                        <a:rPr lang="es-MX" dirty="0" smtClean="0"/>
+                        <a:rPr lang="es-MX" dirty="0"/>
                         <a:t>2301</a:t>
                       </a:r>
-                      <a:endParaRPr lang="es-MX" dirty="0"/>
                     </a:p>
                   </a:txBody>
                   <a:tcPr/>
@@ -14554,13 +14538,18 @@
                     <a:lstStyle/>
                     <a:p>
                       <a:r>
-                        <a:rPr lang="es-MX" dirty="0" smtClean="0"/>
+                        <a:rPr lang="es-MX" dirty="0"/>
                         <a:t>23/02/11</a:t>
                       </a:r>
                     </a:p>
                   </a:txBody>
                   <a:tcPr/>
                 </a:tc>
+                <a:extLst>
+                  <a:ext uri="{0D108BD9-81ED-4DB2-BD59-A6C34878D82A}">
+                    <a16:rowId xmlns:a16="http://schemas.microsoft.com/office/drawing/2014/main" val="10001"/>
+                  </a:ext>
+                </a:extLst>
               </a:tr>
               <a:tr h="338255">
                 <a:tc>
@@ -14569,10 +14558,9 @@
                     <a:lstStyle/>
                     <a:p>
                       <a:r>
-                        <a:rPr lang="es-MX" dirty="0" smtClean="0"/>
+                        <a:rPr lang="es-MX" dirty="0"/>
                         <a:t>2302</a:t>
                       </a:r>
-                      <a:endParaRPr lang="es-MX" dirty="0"/>
                     </a:p>
                   </a:txBody>
                   <a:tcPr/>
@@ -14583,14 +14571,18 @@
                     <a:lstStyle/>
                     <a:p>
                       <a:r>
-                        <a:rPr lang="es-MX" dirty="0" smtClean="0"/>
+                        <a:rPr lang="es-MX" dirty="0"/>
                         <a:t>25/02/11</a:t>
                       </a:r>
-                      <a:endParaRPr lang="es-MX" dirty="0"/>
                     </a:p>
                   </a:txBody>
                   <a:tcPr/>
                 </a:tc>
+                <a:extLst>
+                  <a:ext uri="{0D108BD9-81ED-4DB2-BD59-A6C34878D82A}">
+                    <a16:rowId xmlns:a16="http://schemas.microsoft.com/office/drawing/2014/main" val="10002"/>
+                  </a:ext>
+                </a:extLst>
               </a:tr>
               <a:tr h="338255">
                 <a:tc>
@@ -14599,10 +14591,9 @@
                     <a:lstStyle/>
                     <a:p>
                       <a:r>
-                        <a:rPr lang="es-MX" dirty="0" smtClean="0"/>
+                        <a:rPr lang="es-MX" dirty="0"/>
                         <a:t>2303</a:t>
                       </a:r>
-                      <a:endParaRPr lang="es-MX" dirty="0"/>
                     </a:p>
                   </a:txBody>
                   <a:tcPr/>
@@ -14613,14 +14604,18 @@
                     <a:lstStyle/>
                     <a:p>
                       <a:r>
-                        <a:rPr lang="es-MX" dirty="0" smtClean="0"/>
+                        <a:rPr lang="es-MX" dirty="0"/>
                         <a:t>27/02/11</a:t>
                       </a:r>
-                      <a:endParaRPr lang="es-MX" dirty="0"/>
                     </a:p>
                   </a:txBody>
                   <a:tcPr/>
                 </a:tc>
+                <a:extLst>
+                  <a:ext uri="{0D108BD9-81ED-4DB2-BD59-A6C34878D82A}">
+                    <a16:rowId xmlns:a16="http://schemas.microsoft.com/office/drawing/2014/main" val="10003"/>
+                  </a:ext>
+                </a:extLst>
               </a:tr>
             </a:tbl>
           </a:graphicData>
@@ -14649,10 +14644,9 @@
           <a:lstStyle/>
           <a:p>
             <a:r>
-              <a:rPr lang="es-MX" dirty="0" smtClean="0"/>
+              <a:rPr lang="es-MX" dirty="0"/>
               <a:t>Orden</a:t>
             </a:r>
-            <a:endParaRPr lang="es-MX" dirty="0"/>
           </a:p>
         </p:txBody>
       </p:sp>
@@ -14681,9 +14675,27 @@
                 <a:tableStyleId>{5C22544A-7EE6-4342-B048-85BDC9FD1C3A}</a:tableStyleId>
               </a:tblPr>
               <a:tblGrid>
-                <a:gridCol w="1471884"/>
-                <a:gridCol w="1677346"/>
-                <a:gridCol w="1266423"/>
+                <a:gridCol w="1471884">
+                  <a:extLst>
+                    <a:ext uri="{9D8B030D-6E8A-4147-A177-3AD203B41FA5}">
+                      <a16:colId xmlns:a16="http://schemas.microsoft.com/office/drawing/2014/main" val="20000"/>
+                    </a:ext>
+                  </a:extLst>
+                </a:gridCol>
+                <a:gridCol w="1677346">
+                  <a:extLst>
+                    <a:ext uri="{9D8B030D-6E8A-4147-A177-3AD203B41FA5}">
+                      <a16:colId xmlns:a16="http://schemas.microsoft.com/office/drawing/2014/main" val="20001"/>
+                    </a:ext>
+                  </a:extLst>
+                </a:gridCol>
+                <a:gridCol w="1266423">
+                  <a:extLst>
+                    <a:ext uri="{9D8B030D-6E8A-4147-A177-3AD203B41FA5}">
+                      <a16:colId xmlns:a16="http://schemas.microsoft.com/office/drawing/2014/main" val="20002"/>
+                    </a:ext>
+                  </a:extLst>
+                </a:gridCol>
               </a:tblGrid>
               <a:tr h="370840">
                 <a:tc>
@@ -14709,14 +14721,14 @@
                         <a:defRPr/>
                       </a:pPr>
                       <a:r>
-                        <a:rPr lang="es-MX" u="sng" dirty="0" err="1" smtClean="0"/>
+                        <a:rPr lang="es-MX" u="sng" dirty="0" err="1"/>
                         <a:t>Id</a:t>
                       </a:r>
                       <a:r>
-                        <a:rPr lang="es-MX" u="sng" baseline="0" dirty="0" err="1" smtClean="0"/>
+                        <a:rPr lang="es-MX" u="sng" baseline="0" dirty="0" err="1"/>
                         <a:t>_cliente</a:t>
                       </a:r>
-                      <a:endParaRPr lang="es-MX" u="sng" dirty="0" smtClean="0"/>
+                      <a:endParaRPr lang="es-MX" u="sng" dirty="0"/>
                     </a:p>
                   </a:txBody>
                   <a:tcPr/>
@@ -14744,10 +14756,10 @@
                         <a:defRPr/>
                       </a:pPr>
                       <a:r>
-                        <a:rPr lang="es-MX" dirty="0" err="1" smtClean="0"/>
+                        <a:rPr lang="es-MX" dirty="0" err="1"/>
                         <a:t>Nom_client</a:t>
                       </a:r>
-                      <a:endParaRPr lang="es-MX" dirty="0" smtClean="0"/>
+                      <a:endParaRPr lang="es-MX" dirty="0"/>
                     </a:p>
                   </a:txBody>
                   <a:tcPr/>
@@ -14775,13 +14787,18 @@
                         <a:defRPr/>
                       </a:pPr>
                       <a:r>
-                        <a:rPr lang="es-MX" dirty="0" smtClean="0"/>
+                        <a:rPr lang="es-MX" dirty="0"/>
                         <a:t>Estado</a:t>
                       </a:r>
                     </a:p>
                   </a:txBody>
                   <a:tcPr/>
                 </a:tc>
+                <a:extLst>
+                  <a:ext uri="{0D108BD9-81ED-4DB2-BD59-A6C34878D82A}">
+                    <a16:rowId xmlns:a16="http://schemas.microsoft.com/office/drawing/2014/main" val="10000"/>
+                  </a:ext>
+                </a:extLst>
               </a:tr>
               <a:tr h="370840">
                 <a:tc>
@@ -14790,10 +14807,9 @@
                     <a:lstStyle/>
                     <a:p>
                       <a:r>
-                        <a:rPr lang="es-MX" dirty="0" smtClean="0"/>
+                        <a:rPr lang="es-MX" dirty="0"/>
                         <a:t>101</a:t>
                       </a:r>
-                      <a:endParaRPr lang="es-MX" dirty="0"/>
                     </a:p>
                   </a:txBody>
                   <a:tcPr/>
@@ -14804,10 +14820,9 @@
                     <a:lstStyle/>
                     <a:p>
                       <a:r>
-                        <a:rPr lang="es-MX" dirty="0" smtClean="0"/>
+                        <a:rPr lang="es-MX" dirty="0"/>
                         <a:t>Martin</a:t>
                       </a:r>
-                      <a:endParaRPr lang="es-MX" dirty="0"/>
                     </a:p>
                   </a:txBody>
                   <a:tcPr/>
@@ -14818,14 +14833,18 @@
                     <a:lstStyle/>
                     <a:p>
                       <a:r>
-                        <a:rPr lang="es-MX" dirty="0" smtClean="0"/>
+                        <a:rPr lang="es-MX" dirty="0"/>
                         <a:t>Caracas</a:t>
                       </a:r>
-                      <a:endParaRPr lang="es-MX" dirty="0"/>
                     </a:p>
                   </a:txBody>
                   <a:tcPr/>
                 </a:tc>
+                <a:extLst>
+                  <a:ext uri="{0D108BD9-81ED-4DB2-BD59-A6C34878D82A}">
+                    <a16:rowId xmlns:a16="http://schemas.microsoft.com/office/drawing/2014/main" val="10001"/>
+                  </a:ext>
+                </a:extLst>
               </a:tr>
               <a:tr h="370840">
                 <a:tc>
@@ -14834,10 +14853,9 @@
                     <a:lstStyle/>
                     <a:p>
                       <a:r>
-                        <a:rPr lang="es-MX" dirty="0" smtClean="0"/>
+                        <a:rPr lang="es-MX" dirty="0"/>
                         <a:t>107</a:t>
                       </a:r>
-                      <a:endParaRPr lang="es-MX" dirty="0"/>
                     </a:p>
                   </a:txBody>
                   <a:tcPr/>
@@ -14848,10 +14866,9 @@
                     <a:lstStyle/>
                     <a:p>
                       <a:r>
-                        <a:rPr lang="es-MX" dirty="0" smtClean="0"/>
+                        <a:rPr lang="es-MX" dirty="0"/>
                         <a:t>Herman</a:t>
                       </a:r>
-                      <a:endParaRPr lang="es-MX" dirty="0"/>
                     </a:p>
                   </a:txBody>
                   <a:tcPr/>
@@ -14862,14 +14879,18 @@
                     <a:lstStyle/>
                     <a:p>
                       <a:r>
-                        <a:rPr lang="es-MX" dirty="0" smtClean="0"/>
+                        <a:rPr lang="es-MX" dirty="0"/>
                         <a:t>Coro</a:t>
                       </a:r>
-                      <a:endParaRPr lang="es-MX" dirty="0"/>
                     </a:p>
                   </a:txBody>
                   <a:tcPr/>
                 </a:tc>
+                <a:extLst>
+                  <a:ext uri="{0D108BD9-81ED-4DB2-BD59-A6C34878D82A}">
+                    <a16:rowId xmlns:a16="http://schemas.microsoft.com/office/drawing/2014/main" val="10002"/>
+                  </a:ext>
+                </a:extLst>
               </a:tr>
               <a:tr h="370840">
                 <a:tc>
@@ -14878,10 +14899,9 @@
                     <a:lstStyle/>
                     <a:p>
                       <a:r>
-                        <a:rPr lang="es-MX" dirty="0" smtClean="0"/>
+                        <a:rPr lang="es-MX" dirty="0"/>
                         <a:t>110</a:t>
                       </a:r>
-                      <a:endParaRPr lang="es-MX" dirty="0"/>
                     </a:p>
                   </a:txBody>
                   <a:tcPr/>
@@ -14892,10 +14912,9 @@
                     <a:lstStyle/>
                     <a:p>
                       <a:r>
-                        <a:rPr lang="es-MX" dirty="0" smtClean="0"/>
+                        <a:rPr lang="es-MX" dirty="0"/>
                         <a:t>Pedro</a:t>
                       </a:r>
-                      <a:endParaRPr lang="es-MX" dirty="0"/>
                     </a:p>
                   </a:txBody>
                   <a:tcPr/>
@@ -14906,14 +14925,18 @@
                     <a:lstStyle/>
                     <a:p>
                       <a:r>
-                        <a:rPr lang="es-MX" dirty="0" smtClean="0"/>
+                        <a:rPr lang="es-MX" dirty="0"/>
                         <a:t>Maracay</a:t>
                       </a:r>
-                      <a:endParaRPr lang="es-MX" dirty="0"/>
                     </a:p>
                   </a:txBody>
                   <a:tcPr/>
                 </a:tc>
+                <a:extLst>
+                  <a:ext uri="{0D108BD9-81ED-4DB2-BD59-A6C34878D82A}">
+                    <a16:rowId xmlns:a16="http://schemas.microsoft.com/office/drawing/2014/main" val="10003"/>
+                  </a:ext>
+                </a:extLst>
               </a:tr>
             </a:tbl>
           </a:graphicData>
@@ -14942,10 +14965,9 @@
           <a:lstStyle/>
           <a:p>
             <a:r>
-              <a:rPr lang="es-MX" dirty="0" smtClean="0"/>
+              <a:rPr lang="es-MX" dirty="0"/>
               <a:t>Cliente</a:t>
             </a:r>
-            <a:endParaRPr lang="es-MX" dirty="0"/>
           </a:p>
         </p:txBody>
       </p:sp>
@@ -15071,10 +15093,9 @@
           <a:lstStyle/>
           <a:p>
             <a:r>
-              <a:rPr lang="es-MX" dirty="0" smtClean="0"/>
+              <a:rPr lang="es-MX" dirty="0"/>
               <a:t>Pedido</a:t>
             </a:r>
-            <a:endParaRPr lang="es-MX" dirty="0"/>
           </a:p>
         </p:txBody>
       </p:sp>
@@ -15094,10 +15115,9 @@
           <a:lstStyle/>
           <a:p>
             <a:r>
-              <a:rPr lang="es-MX" smtClean="0"/>
+              <a:rPr lang="es-MX"/>
               <a:t>Edson André Cortés Silva</a:t>
             </a:r>
-            <a:endParaRPr lang="es-MX"/>
           </a:p>
         </p:txBody>
       </p:sp>
@@ -15111,13 +15131,6 @@
   <p:clrMapOvr>
     <a:masterClrMapping/>
   </p:clrMapOvr>
-  <p:timing>
-    <p:tnLst>
-      <p:par>
-        <p:cTn id="1" dur="indefinite" restart="never" nodeType="tmRoot"/>
-      </p:par>
-    </p:tnLst>
-  </p:timing>
 </p:sld>
 </file>
 
@@ -15154,10 +15167,9 @@
           <a:lstStyle/>
           <a:p>
             <a:r>
-              <a:rPr lang="es-MX" dirty="0" smtClean="0"/>
+              <a:rPr lang="es-MX" dirty="0"/>
               <a:t>Tercera Forma de Normalización</a:t>
             </a:r>
-            <a:endParaRPr lang="es-MX" dirty="0"/>
           </a:p>
         </p:txBody>
       </p:sp>
@@ -15177,10 +15189,9 @@
           <a:lstStyle/>
           <a:p>
             <a:r>
-              <a:rPr lang="es-MX" smtClean="0"/>
+              <a:rPr lang="es-MX"/>
               <a:t>Edson André Cortés Silva</a:t>
             </a:r>
-            <a:endParaRPr lang="es-MX"/>
           </a:p>
         </p:txBody>
       </p:sp>
@@ -15209,8 +15220,20 @@
                 <a:tableStyleId>{5C22544A-7EE6-4342-B048-85BDC9FD1C3A}</a:tableStyleId>
               </a:tblPr>
               <a:tblGrid>
-                <a:gridCol w="1579093"/>
-                <a:gridCol w="1579093"/>
+                <a:gridCol w="1579093">
+                  <a:extLst>
+                    <a:ext uri="{9D8B030D-6E8A-4147-A177-3AD203B41FA5}">
+                      <a16:colId xmlns:a16="http://schemas.microsoft.com/office/drawing/2014/main" val="20000"/>
+                    </a:ext>
+                  </a:extLst>
+                </a:gridCol>
+                <a:gridCol w="1579093">
+                  <a:extLst>
+                    <a:ext uri="{9D8B030D-6E8A-4147-A177-3AD203B41FA5}">
+                      <a16:colId xmlns:a16="http://schemas.microsoft.com/office/drawing/2014/main" val="20001"/>
+                    </a:ext>
+                  </a:extLst>
+                </a:gridCol>
               </a:tblGrid>
               <a:tr h="338255">
                 <a:tc>
@@ -15219,7 +15242,7 @@
                     <a:lstStyle/>
                     <a:p>
                       <a:r>
-                        <a:rPr lang="es-MX" u="sng" dirty="0" err="1" smtClean="0"/>
+                        <a:rPr lang="es-MX" u="sng" dirty="0" err="1"/>
                         <a:t>Id_Ord</a:t>
                       </a:r>
                       <a:endParaRPr lang="es-MX" u="sng" dirty="0"/>
@@ -15233,14 +15256,18 @@
                     <a:lstStyle/>
                     <a:p>
                       <a:r>
-                        <a:rPr lang="es-MX" dirty="0" smtClean="0"/>
+                        <a:rPr lang="es-MX" dirty="0"/>
                         <a:t>Fecha</a:t>
                       </a:r>
-                      <a:endParaRPr lang="es-MX" dirty="0"/>
                     </a:p>
                   </a:txBody>
                   <a:tcPr/>
                 </a:tc>
+                <a:extLst>
+                  <a:ext uri="{0D108BD9-81ED-4DB2-BD59-A6C34878D82A}">
+                    <a16:rowId xmlns:a16="http://schemas.microsoft.com/office/drawing/2014/main" val="10000"/>
+                  </a:ext>
+                </a:extLst>
               </a:tr>
               <a:tr h="338255">
                 <a:tc>
@@ -15249,10 +15276,9 @@
                     <a:lstStyle/>
                     <a:p>
                       <a:r>
-                        <a:rPr lang="es-MX" dirty="0" smtClean="0"/>
+                        <a:rPr lang="es-MX" dirty="0"/>
                         <a:t>2301</a:t>
                       </a:r>
-                      <a:endParaRPr lang="es-MX" dirty="0"/>
                     </a:p>
                   </a:txBody>
                   <a:tcPr/>
@@ -15263,13 +15289,18 @@
                     <a:lstStyle/>
                     <a:p>
                       <a:r>
-                        <a:rPr lang="es-MX" dirty="0" smtClean="0"/>
+                        <a:rPr lang="es-MX" dirty="0"/>
                         <a:t>23/02/11</a:t>
                       </a:r>
                     </a:p>
                   </a:txBody>
                   <a:tcPr/>
                 </a:tc>
+                <a:extLst>
+                  <a:ext uri="{0D108BD9-81ED-4DB2-BD59-A6C34878D82A}">
+                    <a16:rowId xmlns:a16="http://schemas.microsoft.com/office/drawing/2014/main" val="10001"/>
+                  </a:ext>
+                </a:extLst>
               </a:tr>
               <a:tr h="338255">
                 <a:tc>
@@ -15278,10 +15309,9 @@
                     <a:lstStyle/>
                     <a:p>
                       <a:r>
-                        <a:rPr lang="es-MX" dirty="0" smtClean="0"/>
+                        <a:rPr lang="es-MX" dirty="0"/>
                         <a:t>2302</a:t>
                       </a:r>
-                      <a:endParaRPr lang="es-MX" dirty="0"/>
                     </a:p>
                   </a:txBody>
                   <a:tcPr/>
@@ -15292,14 +15322,18 @@
                     <a:lstStyle/>
                     <a:p>
                       <a:r>
-                        <a:rPr lang="es-MX" dirty="0" smtClean="0"/>
+                        <a:rPr lang="es-MX" dirty="0"/>
                         <a:t>25/02/11</a:t>
                       </a:r>
-                      <a:endParaRPr lang="es-MX" dirty="0"/>
                     </a:p>
                   </a:txBody>
                   <a:tcPr/>
                 </a:tc>
+                <a:extLst>
+                  <a:ext uri="{0D108BD9-81ED-4DB2-BD59-A6C34878D82A}">
+                    <a16:rowId xmlns:a16="http://schemas.microsoft.com/office/drawing/2014/main" val="10002"/>
+                  </a:ext>
+                </a:extLst>
               </a:tr>
               <a:tr h="338255">
                 <a:tc>
@@ -15308,10 +15342,9 @@
                     <a:lstStyle/>
                     <a:p>
                       <a:r>
-                        <a:rPr lang="es-MX" dirty="0" smtClean="0"/>
+                        <a:rPr lang="es-MX" dirty="0"/>
                         <a:t>2303</a:t>
                       </a:r>
-                      <a:endParaRPr lang="es-MX" dirty="0"/>
                     </a:p>
                   </a:txBody>
                   <a:tcPr/>
@@ -15322,14 +15355,18 @@
                     <a:lstStyle/>
                     <a:p>
                       <a:r>
-                        <a:rPr lang="es-MX" dirty="0" smtClean="0"/>
+                        <a:rPr lang="es-MX" dirty="0"/>
                         <a:t>27/02/11</a:t>
                       </a:r>
-                      <a:endParaRPr lang="es-MX" dirty="0"/>
                     </a:p>
                   </a:txBody>
                   <a:tcPr/>
                 </a:tc>
+                <a:extLst>
+                  <a:ext uri="{0D108BD9-81ED-4DB2-BD59-A6C34878D82A}">
+                    <a16:rowId xmlns:a16="http://schemas.microsoft.com/office/drawing/2014/main" val="10003"/>
+                  </a:ext>
+                </a:extLst>
               </a:tr>
             </a:tbl>
           </a:graphicData>
@@ -15358,10 +15395,9 @@
           <a:lstStyle/>
           <a:p>
             <a:r>
-              <a:rPr lang="es-MX" dirty="0" smtClean="0"/>
+              <a:rPr lang="es-MX" dirty="0"/>
               <a:t>Orden</a:t>
             </a:r>
-            <a:endParaRPr lang="es-MX" dirty="0"/>
           </a:p>
         </p:txBody>
       </p:sp>
@@ -15390,9 +15426,27 @@
                 <a:tableStyleId>{5C22544A-7EE6-4342-B048-85BDC9FD1C3A}</a:tableStyleId>
               </a:tblPr>
               <a:tblGrid>
-                <a:gridCol w="1471884"/>
-                <a:gridCol w="1677346"/>
-                <a:gridCol w="1266423"/>
+                <a:gridCol w="1471884">
+                  <a:extLst>
+                    <a:ext uri="{9D8B030D-6E8A-4147-A177-3AD203B41FA5}">
+                      <a16:colId xmlns:a16="http://schemas.microsoft.com/office/drawing/2014/main" val="20000"/>
+                    </a:ext>
+                  </a:extLst>
+                </a:gridCol>
+                <a:gridCol w="1677346">
+                  <a:extLst>
+                    <a:ext uri="{9D8B030D-6E8A-4147-A177-3AD203B41FA5}">
+                      <a16:colId xmlns:a16="http://schemas.microsoft.com/office/drawing/2014/main" val="20001"/>
+                    </a:ext>
+                  </a:extLst>
+                </a:gridCol>
+                <a:gridCol w="1266423">
+                  <a:extLst>
+                    <a:ext uri="{9D8B030D-6E8A-4147-A177-3AD203B41FA5}">
+                      <a16:colId xmlns:a16="http://schemas.microsoft.com/office/drawing/2014/main" val="20002"/>
+                    </a:ext>
+                  </a:extLst>
+                </a:gridCol>
               </a:tblGrid>
               <a:tr h="370840">
                 <a:tc>
@@ -15418,14 +15472,14 @@
                         <a:defRPr/>
                       </a:pPr>
                       <a:r>
-                        <a:rPr lang="es-MX" u="sng" dirty="0" err="1" smtClean="0"/>
+                        <a:rPr lang="es-MX" u="sng" dirty="0" err="1"/>
                         <a:t>Id</a:t>
                       </a:r>
                       <a:r>
-                        <a:rPr lang="es-MX" u="sng" baseline="0" dirty="0" err="1" smtClean="0"/>
+                        <a:rPr lang="es-MX" u="sng" baseline="0" dirty="0" err="1"/>
                         <a:t>_cliente</a:t>
                       </a:r>
-                      <a:endParaRPr lang="es-MX" u="sng" dirty="0" smtClean="0"/>
+                      <a:endParaRPr lang="es-MX" u="sng" dirty="0"/>
                     </a:p>
                   </a:txBody>
                   <a:tcPr/>
@@ -15453,663 +15507,8 @@
                         <a:defRPr/>
                       </a:pPr>
                       <a:r>
-                        <a:rPr lang="es-MX" dirty="0" err="1" smtClean="0"/>
+                        <a:rPr lang="es-MX" dirty="0" err="1"/>
                         <a:t>Nom_client</a:t>
-                      </a:r>
-                      <a:endParaRPr lang="es-MX" dirty="0" smtClean="0"/>
-                    </a:p>
-                  </a:txBody>
-                  <a:tcPr/>
-                </a:tc>
-                <a:tc>
-                  <a:txBody>
-                    <a:bodyPr/>
-                    <a:lstStyle/>
-                    <a:p>
-                      <a:pPr marL="0" marR="0" indent="0" algn="l" defTabSz="457200" rtl="0" eaLnBrk="1" fontAlgn="auto" latinLnBrk="0" hangingPunct="1">
-                        <a:lnSpc>
-                          <a:spcPct val="100000"/>
-                        </a:lnSpc>
-                        <a:spcBef>
-                          <a:spcPts val="0"/>
-                        </a:spcBef>
-                        <a:spcAft>
-                          <a:spcPts val="0"/>
-                        </a:spcAft>
-                        <a:buClrTx/>
-                        <a:buSzTx/>
-                        <a:buFontTx/>
-                        <a:buNone/>
-                        <a:tabLst/>
-                        <a:defRPr/>
-                      </a:pPr>
-                      <a:r>
-                        <a:rPr lang="es-MX" dirty="0" smtClean="0"/>
-                        <a:t>Estado</a:t>
-                      </a:r>
-                    </a:p>
-                  </a:txBody>
-                  <a:tcPr/>
-                </a:tc>
-              </a:tr>
-              <a:tr h="370840">
-                <a:tc>
-                  <a:txBody>
-                    <a:bodyPr/>
-                    <a:lstStyle/>
-                    <a:p>
-                      <a:r>
-                        <a:rPr lang="es-MX" dirty="0" smtClean="0"/>
-                        <a:t>101</a:t>
-                      </a:r>
-                      <a:endParaRPr lang="es-MX" dirty="0"/>
-                    </a:p>
-                  </a:txBody>
-                  <a:tcPr/>
-                </a:tc>
-                <a:tc>
-                  <a:txBody>
-                    <a:bodyPr/>
-                    <a:lstStyle/>
-                    <a:p>
-                      <a:r>
-                        <a:rPr lang="es-MX" dirty="0" smtClean="0"/>
-                        <a:t>Martin</a:t>
-                      </a:r>
-                      <a:endParaRPr lang="es-MX" dirty="0"/>
-                    </a:p>
-                  </a:txBody>
-                  <a:tcPr/>
-                </a:tc>
-                <a:tc>
-                  <a:txBody>
-                    <a:bodyPr/>
-                    <a:lstStyle/>
-                    <a:p>
-                      <a:r>
-                        <a:rPr lang="es-MX" dirty="0" smtClean="0"/>
-                        <a:t>Caracas</a:t>
-                      </a:r>
-                      <a:endParaRPr lang="es-MX" dirty="0"/>
-                    </a:p>
-                  </a:txBody>
-                  <a:tcPr/>
-                </a:tc>
-              </a:tr>
-              <a:tr h="370840">
-                <a:tc>
-                  <a:txBody>
-                    <a:bodyPr/>
-                    <a:lstStyle/>
-                    <a:p>
-                      <a:r>
-                        <a:rPr lang="es-MX" dirty="0" smtClean="0"/>
-                        <a:t>107</a:t>
-                      </a:r>
-                      <a:endParaRPr lang="es-MX" dirty="0"/>
-                    </a:p>
-                  </a:txBody>
-                  <a:tcPr/>
-                </a:tc>
-                <a:tc>
-                  <a:txBody>
-                    <a:bodyPr/>
-                    <a:lstStyle/>
-                    <a:p>
-                      <a:r>
-                        <a:rPr lang="es-MX" dirty="0" smtClean="0"/>
-                        <a:t>Herman</a:t>
-                      </a:r>
-                      <a:endParaRPr lang="es-MX" dirty="0"/>
-                    </a:p>
-                  </a:txBody>
-                  <a:tcPr/>
-                </a:tc>
-                <a:tc>
-                  <a:txBody>
-                    <a:bodyPr/>
-                    <a:lstStyle/>
-                    <a:p>
-                      <a:r>
-                        <a:rPr lang="es-MX" dirty="0" smtClean="0"/>
-                        <a:t>Coro</a:t>
-                      </a:r>
-                      <a:endParaRPr lang="es-MX" dirty="0"/>
-                    </a:p>
-                  </a:txBody>
-                  <a:tcPr/>
-                </a:tc>
-              </a:tr>
-              <a:tr h="370840">
-                <a:tc>
-                  <a:txBody>
-                    <a:bodyPr/>
-                    <a:lstStyle/>
-                    <a:p>
-                      <a:r>
-                        <a:rPr lang="es-MX" dirty="0" smtClean="0"/>
-                        <a:t>110</a:t>
-                      </a:r>
-                      <a:endParaRPr lang="es-MX" dirty="0"/>
-                    </a:p>
-                  </a:txBody>
-                  <a:tcPr/>
-                </a:tc>
-                <a:tc>
-                  <a:txBody>
-                    <a:bodyPr/>
-                    <a:lstStyle/>
-                    <a:p>
-                      <a:r>
-                        <a:rPr lang="es-MX" dirty="0" smtClean="0"/>
-                        <a:t>Pedro</a:t>
-                      </a:r>
-                      <a:endParaRPr lang="es-MX" dirty="0"/>
-                    </a:p>
-                  </a:txBody>
-                  <a:tcPr/>
-                </a:tc>
-                <a:tc>
-                  <a:txBody>
-                    <a:bodyPr/>
-                    <a:lstStyle/>
-                    <a:p>
-                      <a:r>
-                        <a:rPr lang="es-MX" dirty="0" smtClean="0"/>
-                        <a:t>Maracay</a:t>
-                      </a:r>
-                      <a:endParaRPr lang="es-MX" dirty="0"/>
-                    </a:p>
-                  </a:txBody>
-                  <a:tcPr/>
-                </a:tc>
-              </a:tr>
-            </a:tbl>
-          </a:graphicData>
-        </a:graphic>
-      </p:graphicFrame>
-      <p:sp>
-        <p:nvSpPr>
-          <p:cNvPr id="7" name="CuadroTexto 6"/>
-          <p:cNvSpPr txBox="1"/>
-          <p:nvPr/>
-        </p:nvSpPr>
-        <p:spPr>
-          <a:xfrm>
-            <a:off x="6375042" y="5267459"/>
-            <a:ext cx="1058214" cy="369332"/>
-          </a:xfrm>
-          <a:prstGeom prst="rect">
-            <a:avLst/>
-          </a:prstGeom>
-          <a:noFill/>
-        </p:spPr>
-        <p:txBody>
-          <a:bodyPr wrap="square" rtlCol="0">
-            <a:spAutoFit/>
-          </a:bodyPr>
-          <a:lstStyle/>
-          <a:p>
-            <a:r>
-              <a:rPr lang="es-MX" dirty="0" smtClean="0"/>
-              <a:t>Cliente</a:t>
-            </a:r>
-            <a:endParaRPr lang="es-MX" dirty="0"/>
-          </a:p>
-        </p:txBody>
-      </p:sp>
-      <p:graphicFrame>
-        <p:nvGraphicFramePr>
-          <p:cNvPr id="9" name="Tabla 8"/>
-          <p:cNvGraphicFramePr>
-            <a:graphicFrameLocks noGrp="1"/>
-          </p:cNvGraphicFramePr>
-          <p:nvPr>
-            <p:extLst>
-              <p:ext uri="{D42A27DB-BD31-4B8C-83A1-F6EECF244321}">
-                <p14:modId xmlns:p14="http://schemas.microsoft.com/office/powerpoint/2010/main" val="2346438806"/>
-              </p:ext>
-            </p:extLst>
-          </p:nvPr>
-        </p:nvGraphicFramePr>
-        <p:xfrm>
-          <a:off x="244699" y="4171878"/>
-          <a:ext cx="5025621" cy="2219960"/>
-        </p:xfrm>
-        <a:graphic>
-          <a:graphicData uri="http://schemas.openxmlformats.org/drawingml/2006/table">
-            <a:tbl>
-              <a:tblPr firstRow="1" bandRow="1">
-                <a:tableStyleId>{5C22544A-7EE6-4342-B048-85BDC9FD1C3A}</a:tableStyleId>
-              </a:tblPr>
-              <a:tblGrid>
-                <a:gridCol w="1675207"/>
-                <a:gridCol w="1675207"/>
-                <a:gridCol w="1675207"/>
-              </a:tblGrid>
-              <a:tr h="0">
-                <a:tc>
-                  <a:txBody>
-                    <a:bodyPr/>
-                    <a:lstStyle/>
-                    <a:p>
-                      <a:r>
-                        <a:rPr lang="es-MX" dirty="0" err="1" smtClean="0"/>
-                        <a:t>Num_art</a:t>
-                      </a:r>
-                      <a:endParaRPr lang="es-MX" dirty="0"/>
-                    </a:p>
-                  </a:txBody>
-                  <a:tcPr/>
-                </a:tc>
-                <a:tc>
-                  <a:txBody>
-                    <a:bodyPr/>
-                    <a:lstStyle/>
-                    <a:p>
-                      <a:r>
-                        <a:rPr lang="es-MX" dirty="0" err="1" smtClean="0"/>
-                        <a:t>Nom_art</a:t>
-                      </a:r>
-                      <a:endParaRPr lang="es-MX" dirty="0"/>
-                    </a:p>
-                  </a:txBody>
-                  <a:tcPr/>
-                </a:tc>
-                <a:tc>
-                  <a:txBody>
-                    <a:bodyPr/>
-                    <a:lstStyle/>
-                    <a:p>
-                      <a:r>
-                        <a:rPr lang="es-MX" dirty="0" smtClean="0"/>
-                        <a:t>Precio</a:t>
-                      </a:r>
-                      <a:endParaRPr lang="es-MX" dirty="0"/>
-                    </a:p>
-                  </a:txBody>
-                  <a:tcPr/>
-                </a:tc>
-              </a:tr>
-              <a:tr h="370840">
-                <a:tc>
-                  <a:txBody>
-                    <a:bodyPr/>
-                    <a:lstStyle/>
-                    <a:p>
-                      <a:r>
-                        <a:rPr lang="es-MX" dirty="0" smtClean="0"/>
-                        <a:t>3786</a:t>
-                      </a:r>
-                      <a:endParaRPr lang="es-MX" dirty="0"/>
-                    </a:p>
-                  </a:txBody>
-                  <a:tcPr/>
-                </a:tc>
-                <a:tc>
-                  <a:txBody>
-                    <a:bodyPr/>
-                    <a:lstStyle/>
-                    <a:p>
-                      <a:r>
-                        <a:rPr lang="es-MX" dirty="0" smtClean="0"/>
-                        <a:t>Red</a:t>
-                      </a:r>
-                      <a:endParaRPr lang="es-MX" dirty="0"/>
-                    </a:p>
-                  </a:txBody>
-                  <a:tcPr/>
-                </a:tc>
-                <a:tc>
-                  <a:txBody>
-                    <a:bodyPr/>
-                    <a:lstStyle/>
-                    <a:p>
-                      <a:r>
-                        <a:rPr lang="es-MX" dirty="0" smtClean="0"/>
-                        <a:t>35,00</a:t>
-                      </a:r>
-                      <a:endParaRPr lang="es-MX" dirty="0"/>
-                    </a:p>
-                  </a:txBody>
-                  <a:tcPr/>
-                </a:tc>
-              </a:tr>
-              <a:tr h="370840">
-                <a:tc>
-                  <a:txBody>
-                    <a:bodyPr/>
-                    <a:lstStyle/>
-                    <a:p>
-                      <a:r>
-                        <a:rPr lang="es-MX" dirty="0" smtClean="0"/>
-                        <a:t>4011</a:t>
-                      </a:r>
-                      <a:endParaRPr lang="es-MX" dirty="0"/>
-                    </a:p>
-                  </a:txBody>
-                  <a:tcPr/>
-                </a:tc>
-                <a:tc>
-                  <a:txBody>
-                    <a:bodyPr/>
-                    <a:lstStyle/>
-                    <a:p>
-                      <a:r>
-                        <a:rPr lang="es-MX" dirty="0" smtClean="0"/>
-                        <a:t>Raqueta</a:t>
-                      </a:r>
-                      <a:endParaRPr lang="es-MX" dirty="0"/>
-                    </a:p>
-                  </a:txBody>
-                  <a:tcPr/>
-                </a:tc>
-                <a:tc>
-                  <a:txBody>
-                    <a:bodyPr/>
-                    <a:lstStyle/>
-                    <a:p>
-                      <a:r>
-                        <a:rPr lang="es-MX" dirty="0" smtClean="0"/>
-                        <a:t>65,00</a:t>
-                      </a:r>
-                      <a:endParaRPr lang="es-MX" dirty="0"/>
-                    </a:p>
-                  </a:txBody>
-                  <a:tcPr/>
-                </a:tc>
-              </a:tr>
-              <a:tr h="370840">
-                <a:tc>
-                  <a:txBody>
-                    <a:bodyPr/>
-                    <a:lstStyle/>
-                    <a:p>
-                      <a:r>
-                        <a:rPr lang="es-MX" dirty="0" smtClean="0"/>
-                        <a:t>9132</a:t>
-                      </a:r>
-                      <a:endParaRPr lang="es-MX" dirty="0"/>
-                    </a:p>
-                  </a:txBody>
-                  <a:tcPr/>
-                </a:tc>
-                <a:tc>
-                  <a:txBody>
-                    <a:bodyPr/>
-                    <a:lstStyle/>
-                    <a:p>
-                      <a:r>
-                        <a:rPr lang="es-MX" dirty="0" smtClean="0"/>
-                        <a:t>Paq-3</a:t>
-                      </a:r>
-                      <a:endParaRPr lang="es-MX" dirty="0"/>
-                    </a:p>
-                  </a:txBody>
-                  <a:tcPr/>
-                </a:tc>
-                <a:tc>
-                  <a:txBody>
-                    <a:bodyPr/>
-                    <a:lstStyle/>
-                    <a:p>
-                      <a:r>
-                        <a:rPr lang="es-MX" dirty="0" smtClean="0"/>
-                        <a:t>4,75</a:t>
-                      </a:r>
-                      <a:endParaRPr lang="es-MX" dirty="0"/>
-                    </a:p>
-                  </a:txBody>
-                  <a:tcPr/>
-                </a:tc>
-              </a:tr>
-              <a:tr h="370840">
-                <a:tc>
-                  <a:txBody>
-                    <a:bodyPr/>
-                    <a:lstStyle/>
-                    <a:p>
-                      <a:r>
-                        <a:rPr lang="es-MX" dirty="0" smtClean="0"/>
-                        <a:t>5794</a:t>
-                      </a:r>
-                      <a:endParaRPr lang="es-MX" dirty="0"/>
-                    </a:p>
-                  </a:txBody>
-                  <a:tcPr/>
-                </a:tc>
-                <a:tc>
-                  <a:txBody>
-                    <a:bodyPr/>
-                    <a:lstStyle/>
-                    <a:p>
-                      <a:r>
-                        <a:rPr lang="es-MX" dirty="0" smtClean="0"/>
-                        <a:t>Paq-6</a:t>
-                      </a:r>
-                      <a:endParaRPr lang="es-MX" dirty="0"/>
-                    </a:p>
-                  </a:txBody>
-                  <a:tcPr/>
-                </a:tc>
-                <a:tc>
-                  <a:txBody>
-                    <a:bodyPr/>
-                    <a:lstStyle/>
-                    <a:p>
-                      <a:r>
-                        <a:rPr lang="es-MX" dirty="0" smtClean="0"/>
-                        <a:t>5,00</a:t>
-                      </a:r>
-                      <a:endParaRPr lang="es-MX" dirty="0"/>
-                    </a:p>
-                  </a:txBody>
-                  <a:tcPr/>
-                </a:tc>
-              </a:tr>
-              <a:tr h="370840">
-                <a:tc>
-                  <a:txBody>
-                    <a:bodyPr/>
-                    <a:lstStyle/>
-                    <a:p>
-                      <a:r>
-                        <a:rPr lang="es-MX" dirty="0" smtClean="0"/>
-                        <a:t>3141</a:t>
-                      </a:r>
-                      <a:endParaRPr lang="es-MX" dirty="0"/>
-                    </a:p>
-                  </a:txBody>
-                  <a:tcPr/>
-                </a:tc>
-                <a:tc>
-                  <a:txBody>
-                    <a:bodyPr/>
-                    <a:lstStyle/>
-                    <a:p>
-                      <a:r>
-                        <a:rPr lang="es-MX" dirty="0" smtClean="0"/>
-                        <a:t>Funda</a:t>
-                      </a:r>
-                      <a:endParaRPr lang="es-MX" dirty="0"/>
-                    </a:p>
-                  </a:txBody>
-                  <a:tcPr/>
-                </a:tc>
-                <a:tc>
-                  <a:txBody>
-                    <a:bodyPr/>
-                    <a:lstStyle/>
-                    <a:p>
-                      <a:r>
-                        <a:rPr lang="es-MX" dirty="0" smtClean="0"/>
-                        <a:t>10,00</a:t>
-                      </a:r>
-                      <a:endParaRPr lang="es-MX" dirty="0"/>
-                    </a:p>
-                  </a:txBody>
-                  <a:tcPr/>
-                </a:tc>
-              </a:tr>
-            </a:tbl>
-          </a:graphicData>
-        </a:graphic>
-      </p:graphicFrame>
-      <p:graphicFrame>
-        <p:nvGraphicFramePr>
-          <p:cNvPr id="10" name="Tabla 9"/>
-          <p:cNvGraphicFramePr>
-            <a:graphicFrameLocks noGrp="1"/>
-          </p:cNvGraphicFramePr>
-          <p:nvPr>
-            <p:extLst>
-              <p:ext uri="{D42A27DB-BD31-4B8C-83A1-F6EECF244321}">
-                <p14:modId xmlns:p14="http://schemas.microsoft.com/office/powerpoint/2010/main" val="2942510327"/>
-              </p:ext>
-            </p:extLst>
-          </p:nvPr>
-        </p:nvGraphicFramePr>
-        <p:xfrm>
-          <a:off x="7708356" y="2299016"/>
-          <a:ext cx="4416022" cy="2590800"/>
-        </p:xfrm>
-        <a:graphic>
-          <a:graphicData uri="http://schemas.openxmlformats.org/drawingml/2006/table">
-            <a:tbl>
-              <a:tblPr firstRow="1" bandRow="1">
-                <a:tableStyleId>{5C22544A-7EE6-4342-B048-85BDC9FD1C3A}</a:tableStyleId>
-              </a:tblPr>
-              <a:tblGrid>
-                <a:gridCol w="1197736"/>
-                <a:gridCol w="1275008"/>
-                <a:gridCol w="1146220"/>
-                <a:gridCol w="797058"/>
-              </a:tblGrid>
-              <a:tr h="253379">
-                <a:tc>
-                  <a:txBody>
-                    <a:bodyPr/>
-                    <a:lstStyle/>
-                    <a:p>
-                      <a:r>
-                        <a:rPr lang="es-MX" dirty="0" err="1" smtClean="0"/>
-                        <a:t>Id_orden</a:t>
-                      </a:r>
-                      <a:endParaRPr lang="es-MX" dirty="0"/>
-                    </a:p>
-                  </a:txBody>
-                  <a:tcPr/>
-                </a:tc>
-                <a:tc>
-                  <a:txBody>
-                    <a:bodyPr/>
-                    <a:lstStyle/>
-                    <a:p>
-                      <a:r>
-                        <a:rPr lang="es-MX" dirty="0" err="1" smtClean="0"/>
-                        <a:t>Id_cliente</a:t>
-                      </a:r>
-                      <a:endParaRPr lang="es-MX" dirty="0"/>
-                    </a:p>
-                  </a:txBody>
-                  <a:tcPr/>
-                </a:tc>
-                <a:tc>
-                  <a:txBody>
-                    <a:bodyPr/>
-                    <a:lstStyle/>
-                    <a:p>
-                      <a:r>
-                        <a:rPr lang="es-MX" dirty="0" err="1" smtClean="0"/>
-                        <a:t>Num_art</a:t>
-                      </a:r>
-                      <a:endParaRPr lang="es-MX" dirty="0"/>
-                    </a:p>
-                  </a:txBody>
-                  <a:tcPr/>
-                </a:tc>
-                <a:tc>
-                  <a:txBody>
-                    <a:bodyPr/>
-                    <a:lstStyle/>
-                    <a:p>
-                      <a:r>
-                        <a:rPr lang="es-MX" dirty="0" err="1" smtClean="0"/>
-                        <a:t>Cant</a:t>
-                      </a:r>
-                      <a:endParaRPr lang="es-MX" dirty="0"/>
-                    </a:p>
-                  </a:txBody>
-                  <a:tcPr/>
-                </a:tc>
-              </a:tr>
-              <a:tr h="370840">
-                <a:tc>
-                  <a:txBody>
-                    <a:bodyPr/>
-                    <a:lstStyle/>
-                    <a:p>
-                      <a:r>
-                        <a:rPr lang="es-MX" dirty="0" smtClean="0"/>
-                        <a:t>2301</a:t>
-                      </a:r>
-                      <a:endParaRPr lang="es-MX" dirty="0"/>
-                    </a:p>
-                  </a:txBody>
-                  <a:tcPr/>
-                </a:tc>
-                <a:tc>
-                  <a:txBody>
-                    <a:bodyPr/>
-                    <a:lstStyle/>
-                    <a:p>
-                      <a:r>
-                        <a:rPr lang="es-MX" dirty="0" smtClean="0"/>
-                        <a:t>101</a:t>
-                      </a:r>
-                      <a:endParaRPr lang="es-MX" dirty="0"/>
-                    </a:p>
-                  </a:txBody>
-                  <a:tcPr/>
-                </a:tc>
-                <a:tc>
-                  <a:txBody>
-                    <a:bodyPr/>
-                    <a:lstStyle/>
-                    <a:p>
-                      <a:r>
-                        <a:rPr lang="es-MX" dirty="0" smtClean="0"/>
-                        <a:t>3876</a:t>
-                      </a:r>
-                      <a:endParaRPr lang="es-MX" dirty="0"/>
-                    </a:p>
-                  </a:txBody>
-                  <a:tcPr/>
-                </a:tc>
-                <a:tc>
-                  <a:txBody>
-                    <a:bodyPr/>
-                    <a:lstStyle/>
-                    <a:p>
-                      <a:r>
-                        <a:rPr lang="es-MX" dirty="0" smtClean="0"/>
-                        <a:t>3</a:t>
-                      </a:r>
-                      <a:endParaRPr lang="es-MX" dirty="0"/>
-                    </a:p>
-                  </a:txBody>
-                  <a:tcPr/>
-                </a:tc>
-              </a:tr>
-              <a:tr h="370840">
-                <a:tc>
-                  <a:txBody>
-                    <a:bodyPr/>
-                    <a:lstStyle/>
-                    <a:p>
-                      <a:r>
-                        <a:rPr lang="es-MX" dirty="0" smtClean="0"/>
-                        <a:t>2301</a:t>
                       </a:r>
                       <a:endParaRPr lang="es-MX" dirty="0"/>
                     </a:p>
@@ -16139,7 +15538,27 @@
                         <a:defRPr/>
                       </a:pPr>
                       <a:r>
-                        <a:rPr lang="es-MX" dirty="0" smtClean="0"/>
+                        <a:rPr lang="es-MX" dirty="0"/>
+                        <a:t>Estado</a:t>
+                      </a:r>
+                    </a:p>
+                  </a:txBody>
+                  <a:tcPr/>
+                </a:tc>
+                <a:extLst>
+                  <a:ext uri="{0D108BD9-81ED-4DB2-BD59-A6C34878D82A}">
+                    <a16:rowId xmlns:a16="http://schemas.microsoft.com/office/drawing/2014/main" val="10000"/>
+                  </a:ext>
+                </a:extLst>
+              </a:tr>
+              <a:tr h="370840">
+                <a:tc>
+                  <a:txBody>
+                    <a:bodyPr/>
+                    <a:lstStyle/>
+                    <a:p>
+                      <a:r>
+                        <a:rPr lang="es-MX" dirty="0"/>
                         <a:t>101</a:t>
                       </a:r>
                     </a:p>
@@ -16152,8 +15571,213 @@
                     <a:lstStyle/>
                     <a:p>
                       <a:r>
-                        <a:rPr lang="es-MX" dirty="0" smtClean="0"/>
-                        <a:t>4011</a:t>
+                        <a:rPr lang="es-MX" dirty="0"/>
+                        <a:t>Martin</a:t>
+                      </a:r>
+                    </a:p>
+                  </a:txBody>
+                  <a:tcPr/>
+                </a:tc>
+                <a:tc>
+                  <a:txBody>
+                    <a:bodyPr/>
+                    <a:lstStyle/>
+                    <a:p>
+                      <a:r>
+                        <a:rPr lang="es-MX" dirty="0"/>
+                        <a:t>Caracas</a:t>
+                      </a:r>
+                    </a:p>
+                  </a:txBody>
+                  <a:tcPr/>
+                </a:tc>
+                <a:extLst>
+                  <a:ext uri="{0D108BD9-81ED-4DB2-BD59-A6C34878D82A}">
+                    <a16:rowId xmlns:a16="http://schemas.microsoft.com/office/drawing/2014/main" val="10001"/>
+                  </a:ext>
+                </a:extLst>
+              </a:tr>
+              <a:tr h="370840">
+                <a:tc>
+                  <a:txBody>
+                    <a:bodyPr/>
+                    <a:lstStyle/>
+                    <a:p>
+                      <a:r>
+                        <a:rPr lang="es-MX" dirty="0"/>
+                        <a:t>107</a:t>
+                      </a:r>
+                    </a:p>
+                  </a:txBody>
+                  <a:tcPr/>
+                </a:tc>
+                <a:tc>
+                  <a:txBody>
+                    <a:bodyPr/>
+                    <a:lstStyle/>
+                    <a:p>
+                      <a:r>
+                        <a:rPr lang="es-MX" dirty="0"/>
+                        <a:t>Herman</a:t>
+                      </a:r>
+                    </a:p>
+                  </a:txBody>
+                  <a:tcPr/>
+                </a:tc>
+                <a:tc>
+                  <a:txBody>
+                    <a:bodyPr/>
+                    <a:lstStyle/>
+                    <a:p>
+                      <a:r>
+                        <a:rPr lang="es-MX" dirty="0"/>
+                        <a:t>Coro</a:t>
+                      </a:r>
+                    </a:p>
+                  </a:txBody>
+                  <a:tcPr/>
+                </a:tc>
+                <a:extLst>
+                  <a:ext uri="{0D108BD9-81ED-4DB2-BD59-A6C34878D82A}">
+                    <a16:rowId xmlns:a16="http://schemas.microsoft.com/office/drawing/2014/main" val="10002"/>
+                  </a:ext>
+                </a:extLst>
+              </a:tr>
+              <a:tr h="370840">
+                <a:tc>
+                  <a:txBody>
+                    <a:bodyPr/>
+                    <a:lstStyle/>
+                    <a:p>
+                      <a:r>
+                        <a:rPr lang="es-MX" dirty="0"/>
+                        <a:t>110</a:t>
+                      </a:r>
+                    </a:p>
+                  </a:txBody>
+                  <a:tcPr/>
+                </a:tc>
+                <a:tc>
+                  <a:txBody>
+                    <a:bodyPr/>
+                    <a:lstStyle/>
+                    <a:p>
+                      <a:r>
+                        <a:rPr lang="es-MX" dirty="0"/>
+                        <a:t>Pedro</a:t>
+                      </a:r>
+                    </a:p>
+                  </a:txBody>
+                  <a:tcPr/>
+                </a:tc>
+                <a:tc>
+                  <a:txBody>
+                    <a:bodyPr/>
+                    <a:lstStyle/>
+                    <a:p>
+                      <a:r>
+                        <a:rPr lang="es-MX" dirty="0"/>
+                        <a:t>Maracay</a:t>
+                      </a:r>
+                    </a:p>
+                  </a:txBody>
+                  <a:tcPr/>
+                </a:tc>
+                <a:extLst>
+                  <a:ext uri="{0D108BD9-81ED-4DB2-BD59-A6C34878D82A}">
+                    <a16:rowId xmlns:a16="http://schemas.microsoft.com/office/drawing/2014/main" val="10003"/>
+                  </a:ext>
+                </a:extLst>
+              </a:tr>
+            </a:tbl>
+          </a:graphicData>
+        </a:graphic>
+      </p:graphicFrame>
+      <p:sp>
+        <p:nvSpPr>
+          <p:cNvPr id="7" name="CuadroTexto 6"/>
+          <p:cNvSpPr txBox="1"/>
+          <p:nvPr/>
+        </p:nvSpPr>
+        <p:spPr>
+          <a:xfrm>
+            <a:off x="6375042" y="5267459"/>
+            <a:ext cx="1058214" cy="369332"/>
+          </a:xfrm>
+          <a:prstGeom prst="rect">
+            <a:avLst/>
+          </a:prstGeom>
+          <a:noFill/>
+        </p:spPr>
+        <p:txBody>
+          <a:bodyPr wrap="square" rtlCol="0">
+            <a:spAutoFit/>
+          </a:bodyPr>
+          <a:lstStyle/>
+          <a:p>
+            <a:r>
+              <a:rPr lang="es-MX" dirty="0"/>
+              <a:t>Cliente</a:t>
+            </a:r>
+          </a:p>
+        </p:txBody>
+      </p:sp>
+      <p:graphicFrame>
+        <p:nvGraphicFramePr>
+          <p:cNvPr id="9" name="Tabla 8"/>
+          <p:cNvGraphicFramePr>
+            <a:graphicFrameLocks noGrp="1"/>
+          </p:cNvGraphicFramePr>
+          <p:nvPr>
+            <p:extLst>
+              <p:ext uri="{D42A27DB-BD31-4B8C-83A1-F6EECF244321}">
+                <p14:modId xmlns:p14="http://schemas.microsoft.com/office/powerpoint/2010/main" val="2346438806"/>
+              </p:ext>
+            </p:extLst>
+          </p:nvPr>
+        </p:nvGraphicFramePr>
+        <p:xfrm>
+          <a:off x="244699" y="4171878"/>
+          <a:ext cx="5025621" cy="2219960"/>
+        </p:xfrm>
+        <a:graphic>
+          <a:graphicData uri="http://schemas.openxmlformats.org/drawingml/2006/table">
+            <a:tbl>
+              <a:tblPr firstRow="1" bandRow="1">
+                <a:tableStyleId>{5C22544A-7EE6-4342-B048-85BDC9FD1C3A}</a:tableStyleId>
+              </a:tblPr>
+              <a:tblGrid>
+                <a:gridCol w="1675207">
+                  <a:extLst>
+                    <a:ext uri="{9D8B030D-6E8A-4147-A177-3AD203B41FA5}">
+                      <a16:colId xmlns:a16="http://schemas.microsoft.com/office/drawing/2014/main" val="20000"/>
+                    </a:ext>
+                  </a:extLst>
+                </a:gridCol>
+                <a:gridCol w="1675207">
+                  <a:extLst>
+                    <a:ext uri="{9D8B030D-6E8A-4147-A177-3AD203B41FA5}">
+                      <a16:colId xmlns:a16="http://schemas.microsoft.com/office/drawing/2014/main" val="20001"/>
+                    </a:ext>
+                  </a:extLst>
+                </a:gridCol>
+                <a:gridCol w="1675207">
+                  <a:extLst>
+                    <a:ext uri="{9D8B030D-6E8A-4147-A177-3AD203B41FA5}">
+                      <a16:colId xmlns:a16="http://schemas.microsoft.com/office/drawing/2014/main" val="20002"/>
+                    </a:ext>
+                  </a:extLst>
+                </a:gridCol>
+              </a:tblGrid>
+              <a:tr h="0">
+                <a:tc>
+                  <a:txBody>
+                    <a:bodyPr/>
+                    <a:lstStyle/>
+                    <a:p>
+                      <a:r>
+                        <a:rPr lang="es-MX" dirty="0" err="1"/>
+                        <a:t>Num_art</a:t>
                       </a:r>
                       <a:endParaRPr lang="es-MX" dirty="0"/>
                     </a:p>
@@ -16166,14 +15790,32 @@
                     <a:lstStyle/>
                     <a:p>
                       <a:r>
-                        <a:rPr lang="es-MX" dirty="0" smtClean="0"/>
-                        <a:t>6</a:t>
+                        <a:rPr lang="es-MX" dirty="0" err="1"/>
+                        <a:t>Nom_art</a:t>
                       </a:r>
                       <a:endParaRPr lang="es-MX" dirty="0"/>
                     </a:p>
                   </a:txBody>
                   <a:tcPr/>
                 </a:tc>
+                <a:tc>
+                  <a:txBody>
+                    <a:bodyPr/>
+                    <a:lstStyle/>
+                    <a:p>
+                      <a:r>
+                        <a:rPr lang="es-MX" dirty="0"/>
+                        <a:t>Precio</a:t>
+                      </a:r>
+                    </a:p>
+                  </a:txBody>
+                  <a:tcPr/>
+                </a:tc>
+                <a:extLst>
+                  <a:ext uri="{0D108BD9-81ED-4DB2-BD59-A6C34878D82A}">
+                    <a16:rowId xmlns:a16="http://schemas.microsoft.com/office/drawing/2014/main" val="10000"/>
+                  </a:ext>
+                </a:extLst>
               </a:tr>
               <a:tr h="370840">
                 <a:tc>
@@ -16182,10 +15824,419 @@
                     <a:lstStyle/>
                     <a:p>
                       <a:r>
-                        <a:rPr lang="es-MX" dirty="0" smtClean="0"/>
+                        <a:rPr lang="es-MX" dirty="0"/>
+                        <a:t>3786</a:t>
+                      </a:r>
+                    </a:p>
+                  </a:txBody>
+                  <a:tcPr/>
+                </a:tc>
+                <a:tc>
+                  <a:txBody>
+                    <a:bodyPr/>
+                    <a:lstStyle/>
+                    <a:p>
+                      <a:r>
+                        <a:rPr lang="es-MX" dirty="0"/>
+                        <a:t>Red</a:t>
+                      </a:r>
+                    </a:p>
+                  </a:txBody>
+                  <a:tcPr/>
+                </a:tc>
+                <a:tc>
+                  <a:txBody>
+                    <a:bodyPr/>
+                    <a:lstStyle/>
+                    <a:p>
+                      <a:r>
+                        <a:rPr lang="es-MX" dirty="0"/>
+                        <a:t>35,00</a:t>
+                      </a:r>
+                    </a:p>
+                  </a:txBody>
+                  <a:tcPr/>
+                </a:tc>
+                <a:extLst>
+                  <a:ext uri="{0D108BD9-81ED-4DB2-BD59-A6C34878D82A}">
+                    <a16:rowId xmlns:a16="http://schemas.microsoft.com/office/drawing/2014/main" val="10001"/>
+                  </a:ext>
+                </a:extLst>
+              </a:tr>
+              <a:tr h="370840">
+                <a:tc>
+                  <a:txBody>
+                    <a:bodyPr/>
+                    <a:lstStyle/>
+                    <a:p>
+                      <a:r>
+                        <a:rPr lang="es-MX" dirty="0"/>
+                        <a:t>4011</a:t>
+                      </a:r>
+                    </a:p>
+                  </a:txBody>
+                  <a:tcPr/>
+                </a:tc>
+                <a:tc>
+                  <a:txBody>
+                    <a:bodyPr/>
+                    <a:lstStyle/>
+                    <a:p>
+                      <a:r>
+                        <a:rPr lang="es-MX" dirty="0"/>
+                        <a:t>Raqueta</a:t>
+                      </a:r>
+                    </a:p>
+                  </a:txBody>
+                  <a:tcPr/>
+                </a:tc>
+                <a:tc>
+                  <a:txBody>
+                    <a:bodyPr/>
+                    <a:lstStyle/>
+                    <a:p>
+                      <a:r>
+                        <a:rPr lang="es-MX" dirty="0"/>
+                        <a:t>65,00</a:t>
+                      </a:r>
+                    </a:p>
+                  </a:txBody>
+                  <a:tcPr/>
+                </a:tc>
+                <a:extLst>
+                  <a:ext uri="{0D108BD9-81ED-4DB2-BD59-A6C34878D82A}">
+                    <a16:rowId xmlns:a16="http://schemas.microsoft.com/office/drawing/2014/main" val="10002"/>
+                  </a:ext>
+                </a:extLst>
+              </a:tr>
+              <a:tr h="370840">
+                <a:tc>
+                  <a:txBody>
+                    <a:bodyPr/>
+                    <a:lstStyle/>
+                    <a:p>
+                      <a:r>
+                        <a:rPr lang="es-MX" dirty="0"/>
+                        <a:t>9132</a:t>
+                      </a:r>
+                    </a:p>
+                  </a:txBody>
+                  <a:tcPr/>
+                </a:tc>
+                <a:tc>
+                  <a:txBody>
+                    <a:bodyPr/>
+                    <a:lstStyle/>
+                    <a:p>
+                      <a:r>
+                        <a:rPr lang="es-MX" dirty="0"/>
+                        <a:t>Paq-3</a:t>
+                      </a:r>
+                    </a:p>
+                  </a:txBody>
+                  <a:tcPr/>
+                </a:tc>
+                <a:tc>
+                  <a:txBody>
+                    <a:bodyPr/>
+                    <a:lstStyle/>
+                    <a:p>
+                      <a:r>
+                        <a:rPr lang="es-MX" dirty="0"/>
+                        <a:t>4,75</a:t>
+                      </a:r>
+                    </a:p>
+                  </a:txBody>
+                  <a:tcPr/>
+                </a:tc>
+                <a:extLst>
+                  <a:ext uri="{0D108BD9-81ED-4DB2-BD59-A6C34878D82A}">
+                    <a16:rowId xmlns:a16="http://schemas.microsoft.com/office/drawing/2014/main" val="10003"/>
+                  </a:ext>
+                </a:extLst>
+              </a:tr>
+              <a:tr h="370840">
+                <a:tc>
+                  <a:txBody>
+                    <a:bodyPr/>
+                    <a:lstStyle/>
+                    <a:p>
+                      <a:r>
+                        <a:rPr lang="es-MX" dirty="0"/>
+                        <a:t>5794</a:t>
+                      </a:r>
+                    </a:p>
+                  </a:txBody>
+                  <a:tcPr/>
+                </a:tc>
+                <a:tc>
+                  <a:txBody>
+                    <a:bodyPr/>
+                    <a:lstStyle/>
+                    <a:p>
+                      <a:r>
+                        <a:rPr lang="es-MX" dirty="0"/>
+                        <a:t>Paq-6</a:t>
+                      </a:r>
+                    </a:p>
+                  </a:txBody>
+                  <a:tcPr/>
+                </a:tc>
+                <a:tc>
+                  <a:txBody>
+                    <a:bodyPr/>
+                    <a:lstStyle/>
+                    <a:p>
+                      <a:r>
+                        <a:rPr lang="es-MX" dirty="0"/>
+                        <a:t>5,00</a:t>
+                      </a:r>
+                    </a:p>
+                  </a:txBody>
+                  <a:tcPr/>
+                </a:tc>
+                <a:extLst>
+                  <a:ext uri="{0D108BD9-81ED-4DB2-BD59-A6C34878D82A}">
+                    <a16:rowId xmlns:a16="http://schemas.microsoft.com/office/drawing/2014/main" val="10004"/>
+                  </a:ext>
+                </a:extLst>
+              </a:tr>
+              <a:tr h="370840">
+                <a:tc>
+                  <a:txBody>
+                    <a:bodyPr/>
+                    <a:lstStyle/>
+                    <a:p>
+                      <a:r>
+                        <a:rPr lang="es-MX" dirty="0"/>
+                        <a:t>3141</a:t>
+                      </a:r>
+                    </a:p>
+                  </a:txBody>
+                  <a:tcPr/>
+                </a:tc>
+                <a:tc>
+                  <a:txBody>
+                    <a:bodyPr/>
+                    <a:lstStyle/>
+                    <a:p>
+                      <a:r>
+                        <a:rPr lang="es-MX" dirty="0"/>
+                        <a:t>Funda</a:t>
+                      </a:r>
+                    </a:p>
+                  </a:txBody>
+                  <a:tcPr/>
+                </a:tc>
+                <a:tc>
+                  <a:txBody>
+                    <a:bodyPr/>
+                    <a:lstStyle/>
+                    <a:p>
+                      <a:r>
+                        <a:rPr lang="es-MX" dirty="0"/>
+                        <a:t>10,00</a:t>
+                      </a:r>
+                    </a:p>
+                  </a:txBody>
+                  <a:tcPr/>
+                </a:tc>
+                <a:extLst>
+                  <a:ext uri="{0D108BD9-81ED-4DB2-BD59-A6C34878D82A}">
+                    <a16:rowId xmlns:a16="http://schemas.microsoft.com/office/drawing/2014/main" val="10005"/>
+                  </a:ext>
+                </a:extLst>
+              </a:tr>
+            </a:tbl>
+          </a:graphicData>
+        </a:graphic>
+      </p:graphicFrame>
+      <p:graphicFrame>
+        <p:nvGraphicFramePr>
+          <p:cNvPr id="10" name="Tabla 9"/>
+          <p:cNvGraphicFramePr>
+            <a:graphicFrameLocks noGrp="1"/>
+          </p:cNvGraphicFramePr>
+          <p:nvPr>
+            <p:extLst>
+              <p:ext uri="{D42A27DB-BD31-4B8C-83A1-F6EECF244321}">
+                <p14:modId xmlns:p14="http://schemas.microsoft.com/office/powerpoint/2010/main" val="1485746241"/>
+              </p:ext>
+            </p:extLst>
+          </p:nvPr>
+        </p:nvGraphicFramePr>
+        <p:xfrm>
+          <a:off x="7538088" y="2323541"/>
+          <a:ext cx="4416022" cy="2590800"/>
+        </p:xfrm>
+        <a:graphic>
+          <a:graphicData uri="http://schemas.openxmlformats.org/drawingml/2006/table">
+            <a:tbl>
+              <a:tblPr firstRow="1" bandRow="1">
+                <a:tableStyleId>{5C22544A-7EE6-4342-B048-85BDC9FD1C3A}</a:tableStyleId>
+              </a:tblPr>
+              <a:tblGrid>
+                <a:gridCol w="1197736">
+                  <a:extLst>
+                    <a:ext uri="{9D8B030D-6E8A-4147-A177-3AD203B41FA5}">
+                      <a16:colId xmlns:a16="http://schemas.microsoft.com/office/drawing/2014/main" val="20000"/>
+                    </a:ext>
+                  </a:extLst>
+                </a:gridCol>
+                <a:gridCol w="1275008">
+                  <a:extLst>
+                    <a:ext uri="{9D8B030D-6E8A-4147-A177-3AD203B41FA5}">
+                      <a16:colId xmlns:a16="http://schemas.microsoft.com/office/drawing/2014/main" val="20001"/>
+                    </a:ext>
+                  </a:extLst>
+                </a:gridCol>
+                <a:gridCol w="1146220">
+                  <a:extLst>
+                    <a:ext uri="{9D8B030D-6E8A-4147-A177-3AD203B41FA5}">
+                      <a16:colId xmlns:a16="http://schemas.microsoft.com/office/drawing/2014/main" val="20002"/>
+                    </a:ext>
+                  </a:extLst>
+                </a:gridCol>
+                <a:gridCol w="797058">
+                  <a:extLst>
+                    <a:ext uri="{9D8B030D-6E8A-4147-A177-3AD203B41FA5}">
+                      <a16:colId xmlns:a16="http://schemas.microsoft.com/office/drawing/2014/main" val="20003"/>
+                    </a:ext>
+                  </a:extLst>
+                </a:gridCol>
+              </a:tblGrid>
+              <a:tr h="253379">
+                <a:tc>
+                  <a:txBody>
+                    <a:bodyPr/>
+                    <a:lstStyle/>
+                    <a:p>
+                      <a:r>
+                        <a:rPr lang="es-MX" dirty="0" err="1"/>
+                        <a:t>Id_orden</a:t>
+                      </a:r>
+                      <a:endParaRPr lang="es-MX" dirty="0"/>
+                    </a:p>
+                  </a:txBody>
+                  <a:tcPr/>
+                </a:tc>
+                <a:tc>
+                  <a:txBody>
+                    <a:bodyPr/>
+                    <a:lstStyle/>
+                    <a:p>
+                      <a:r>
+                        <a:rPr lang="es-MX" dirty="0" err="1"/>
+                        <a:t>Id_cliente</a:t>
+                      </a:r>
+                      <a:endParaRPr lang="es-MX" dirty="0"/>
+                    </a:p>
+                  </a:txBody>
+                  <a:tcPr/>
+                </a:tc>
+                <a:tc>
+                  <a:txBody>
+                    <a:bodyPr/>
+                    <a:lstStyle/>
+                    <a:p>
+                      <a:r>
+                        <a:rPr lang="es-MX" dirty="0" err="1"/>
+                        <a:t>Num_art</a:t>
+                      </a:r>
+                      <a:endParaRPr lang="es-MX" dirty="0"/>
+                    </a:p>
+                  </a:txBody>
+                  <a:tcPr/>
+                </a:tc>
+                <a:tc>
+                  <a:txBody>
+                    <a:bodyPr/>
+                    <a:lstStyle/>
+                    <a:p>
+                      <a:r>
+                        <a:rPr lang="es-MX" dirty="0" err="1"/>
+                        <a:t>Cant</a:t>
+                      </a:r>
+                      <a:endParaRPr lang="es-MX" dirty="0"/>
+                    </a:p>
+                  </a:txBody>
+                  <a:tcPr/>
+                </a:tc>
+                <a:extLst>
+                  <a:ext uri="{0D108BD9-81ED-4DB2-BD59-A6C34878D82A}">
+                    <a16:rowId xmlns:a16="http://schemas.microsoft.com/office/drawing/2014/main" val="10000"/>
+                  </a:ext>
+                </a:extLst>
+              </a:tr>
+              <a:tr h="370840">
+                <a:tc>
+                  <a:txBody>
+                    <a:bodyPr/>
+                    <a:lstStyle/>
+                    <a:p>
+                      <a:r>
+                        <a:rPr lang="es-MX" dirty="0"/>
                         <a:t>2301</a:t>
                       </a:r>
-                      <a:endParaRPr lang="es-MX" dirty="0"/>
+                    </a:p>
+                  </a:txBody>
+                  <a:tcPr/>
+                </a:tc>
+                <a:tc>
+                  <a:txBody>
+                    <a:bodyPr/>
+                    <a:lstStyle/>
+                    <a:p>
+                      <a:r>
+                        <a:rPr lang="es-MX" dirty="0"/>
+                        <a:t>101</a:t>
+                      </a:r>
+                    </a:p>
+                  </a:txBody>
+                  <a:tcPr/>
+                </a:tc>
+                <a:tc>
+                  <a:txBody>
+                    <a:bodyPr/>
+                    <a:lstStyle/>
+                    <a:p>
+                      <a:r>
+                        <a:rPr lang="es-MX" dirty="0"/>
+                        <a:t>3876</a:t>
+                      </a:r>
+                    </a:p>
+                  </a:txBody>
+                  <a:tcPr/>
+                </a:tc>
+                <a:tc>
+                  <a:txBody>
+                    <a:bodyPr/>
+                    <a:lstStyle/>
+                    <a:p>
+                      <a:r>
+                        <a:rPr lang="es-MX" dirty="0"/>
+                        <a:t>3</a:t>
+                      </a:r>
+                    </a:p>
+                  </a:txBody>
+                  <a:tcPr/>
+                </a:tc>
+                <a:extLst>
+                  <a:ext uri="{0D108BD9-81ED-4DB2-BD59-A6C34878D82A}">
+                    <a16:rowId xmlns:a16="http://schemas.microsoft.com/office/drawing/2014/main" val="10001"/>
+                  </a:ext>
+                </a:extLst>
+              </a:tr>
+              <a:tr h="370840">
+                <a:tc>
+                  <a:txBody>
+                    <a:bodyPr/>
+                    <a:lstStyle/>
+                    <a:p>
+                      <a:r>
+                        <a:rPr lang="es-MX" dirty="0"/>
+                        <a:t>2301</a:t>
+                      </a:r>
                     </a:p>
                   </a:txBody>
                   <a:tcPr/>
@@ -16213,7 +16264,7 @@
                         <a:defRPr/>
                       </a:pPr>
                       <a:r>
-                        <a:rPr lang="es-MX" dirty="0" smtClean="0"/>
+                        <a:rPr lang="es-MX" dirty="0"/>
                         <a:t>101</a:t>
                       </a:r>
                     </a:p>
@@ -16226,10 +16277,9 @@
                     <a:lstStyle/>
                     <a:p>
                       <a:r>
-                        <a:rPr lang="es-MX" dirty="0" smtClean="0"/>
-                        <a:t>9132</a:t>
+                        <a:rPr lang="es-MX" dirty="0"/>
+                        <a:t>4011</a:t>
                       </a:r>
-                      <a:endParaRPr lang="es-MX" dirty="0"/>
                     </a:p>
                   </a:txBody>
                   <a:tcPr/>
@@ -16240,14 +16290,18 @@
                     <a:lstStyle/>
                     <a:p>
                       <a:r>
-                        <a:rPr lang="es-MX" dirty="0" smtClean="0"/>
-                        <a:t>8</a:t>
+                        <a:rPr lang="es-MX" dirty="0"/>
+                        <a:t>6</a:t>
                       </a:r>
-                      <a:endParaRPr lang="es-MX" dirty="0"/>
                     </a:p>
                   </a:txBody>
                   <a:tcPr/>
                 </a:tc>
+                <a:extLst>
+                  <a:ext uri="{0D108BD9-81ED-4DB2-BD59-A6C34878D82A}">
+                    <a16:rowId xmlns:a16="http://schemas.microsoft.com/office/drawing/2014/main" val="10002"/>
+                  </a:ext>
+                </a:extLst>
               </a:tr>
               <a:tr h="370840">
                 <a:tc>
@@ -16256,10 +16310,39 @@
                     <a:lstStyle/>
                     <a:p>
                       <a:r>
-                        <a:rPr lang="es-MX" dirty="0" smtClean="0"/>
-                        <a:t>2302</a:t>
+                        <a:rPr lang="es-MX" dirty="0"/>
+                        <a:t>2301</a:t>
                       </a:r>
-                      <a:endParaRPr lang="es-MX" dirty="0"/>
+                    </a:p>
+                  </a:txBody>
+                  <a:tcPr/>
+                </a:tc>
+                <a:tc>
+                  <a:txBody>
+                    <a:bodyPr/>
+                    <a:lstStyle/>
+                    <a:p>
+                      <a:pPr marL="0" marR="0" indent="0" algn="l" defTabSz="457200" rtl="0" eaLnBrk="1" fontAlgn="auto" latinLnBrk="0" hangingPunct="1">
+                        <a:lnSpc>
+                          <a:spcPct val="100000"/>
+                        </a:lnSpc>
+                        <a:spcBef>
+                          <a:spcPts val="0"/>
+                        </a:spcBef>
+                        <a:spcAft>
+                          <a:spcPts val="0"/>
+                        </a:spcAft>
+                        <a:buClrTx/>
+                        <a:buSzTx/>
+                        <a:buFontTx/>
+                        <a:buNone/>
+                        <a:tabLst/>
+                        <a:defRPr/>
+                      </a:pPr>
+                      <a:r>
+                        <a:rPr lang="es-MX" dirty="0"/>
+                        <a:t>101</a:t>
+                      </a:r>
                     </a:p>
                   </a:txBody>
                   <a:tcPr/>
@@ -16270,10 +16353,9 @@
                     <a:lstStyle/>
                     <a:p>
                       <a:r>
-                        <a:rPr lang="es-MX" dirty="0" smtClean="0"/>
-                        <a:t>107</a:t>
+                        <a:rPr lang="es-MX" dirty="0"/>
+                        <a:t>9132</a:t>
                       </a:r>
-                      <a:endParaRPr lang="es-MX" dirty="0"/>
                     </a:p>
                   </a:txBody>
                   <a:tcPr/>
@@ -16284,10 +16366,29 @@
                     <a:lstStyle/>
                     <a:p>
                       <a:r>
-                        <a:rPr lang="es-MX" dirty="0" smtClean="0"/>
-                        <a:t>5794</a:t>
+                        <a:rPr lang="es-MX" dirty="0"/>
+                        <a:t>8</a:t>
                       </a:r>
-                      <a:endParaRPr lang="es-MX" dirty="0"/>
+                    </a:p>
+                  </a:txBody>
+                  <a:tcPr/>
+                </a:tc>
+                <a:extLst>
+                  <a:ext uri="{0D108BD9-81ED-4DB2-BD59-A6C34878D82A}">
+                    <a16:rowId xmlns:a16="http://schemas.microsoft.com/office/drawing/2014/main" val="10003"/>
+                  </a:ext>
+                </a:extLst>
+              </a:tr>
+              <a:tr h="370840">
+                <a:tc>
+                  <a:txBody>
+                    <a:bodyPr/>
+                    <a:lstStyle/>
+                    <a:p>
+                      <a:r>
+                        <a:rPr lang="es-MX" dirty="0"/>
+                        <a:t>2302</a:t>
+                      </a:r>
                     </a:p>
                   </a:txBody>
                   <a:tcPr/>
@@ -16298,26 +16399,9 @@
                     <a:lstStyle/>
                     <a:p>
                       <a:r>
-                        <a:rPr lang="es-MX" dirty="0" smtClean="0"/>
-                        <a:t>4</a:t>
+                        <a:rPr lang="es-MX" dirty="0"/>
+                        <a:t>107</a:t>
                       </a:r>
-                      <a:endParaRPr lang="es-MX" dirty="0"/>
-                    </a:p>
-                  </a:txBody>
-                  <a:tcPr/>
-                </a:tc>
-              </a:tr>
-              <a:tr h="370840">
-                <a:tc>
-                  <a:txBody>
-                    <a:bodyPr/>
-                    <a:lstStyle/>
-                    <a:p>
-                      <a:r>
-                        <a:rPr lang="es-MX" dirty="0" smtClean="0"/>
-                        <a:t>2303</a:t>
-                      </a:r>
-                      <a:endParaRPr lang="es-MX" dirty="0"/>
                     </a:p>
                   </a:txBody>
                   <a:tcPr/>
@@ -16328,10 +16412,9 @@
                     <a:lstStyle/>
                     <a:p>
                       <a:r>
-                        <a:rPr lang="es-MX" dirty="0" smtClean="0"/>
-                        <a:t>110</a:t>
+                        <a:rPr lang="es-MX" dirty="0"/>
+                        <a:t>5794</a:t>
                       </a:r>
-                      <a:endParaRPr lang="es-MX" dirty="0"/>
                     </a:p>
                   </a:txBody>
                   <a:tcPr/>
@@ -16342,10 +16425,29 @@
                     <a:lstStyle/>
                     <a:p>
                       <a:r>
-                        <a:rPr lang="es-MX" dirty="0" smtClean="0"/>
-                        <a:t>4011</a:t>
+                        <a:rPr lang="es-MX" dirty="0"/>
+                        <a:t>4</a:t>
                       </a:r>
-                      <a:endParaRPr lang="es-MX" dirty="0"/>
+                    </a:p>
+                  </a:txBody>
+                  <a:tcPr/>
+                </a:tc>
+                <a:extLst>
+                  <a:ext uri="{0D108BD9-81ED-4DB2-BD59-A6C34878D82A}">
+                    <a16:rowId xmlns:a16="http://schemas.microsoft.com/office/drawing/2014/main" val="10004"/>
+                  </a:ext>
+                </a:extLst>
+              </a:tr>
+              <a:tr h="370840">
+                <a:tc>
+                  <a:txBody>
+                    <a:bodyPr/>
+                    <a:lstStyle/>
+                    <a:p>
+                      <a:r>
+                        <a:rPr lang="es-MX" dirty="0"/>
+                        <a:t>2303</a:t>
+                      </a:r>
                     </a:p>
                   </a:txBody>
                   <a:tcPr/>
@@ -16356,26 +16458,9 @@
                     <a:lstStyle/>
                     <a:p>
                       <a:r>
-                        <a:rPr lang="es-MX" dirty="0" smtClean="0"/>
-                        <a:t>2</a:t>
+                        <a:rPr lang="es-MX" dirty="0"/>
+                        <a:t>110</a:t>
                       </a:r>
-                      <a:endParaRPr lang="es-MX" dirty="0"/>
-                    </a:p>
-                  </a:txBody>
-                  <a:tcPr/>
-                </a:tc>
-              </a:tr>
-              <a:tr h="370840">
-                <a:tc>
-                  <a:txBody>
-                    <a:bodyPr/>
-                    <a:lstStyle/>
-                    <a:p>
-                      <a:r>
-                        <a:rPr lang="es-MX" dirty="0" smtClean="0"/>
-                        <a:t>2303</a:t>
-                      </a:r>
-                      <a:endParaRPr lang="es-MX" dirty="0"/>
                     </a:p>
                   </a:txBody>
                   <a:tcPr/>
@@ -16386,10 +16471,9 @@
                     <a:lstStyle/>
                     <a:p>
                       <a:r>
-                        <a:rPr lang="es-MX" dirty="0" smtClean="0"/>
-                        <a:t>110</a:t>
+                        <a:rPr lang="es-MX" dirty="0"/>
+                        <a:t>4011</a:t>
                       </a:r>
-                      <a:endParaRPr lang="es-MX" dirty="0"/>
                     </a:p>
                   </a:txBody>
                   <a:tcPr/>
@@ -16400,10 +16484,29 @@
                     <a:lstStyle/>
                     <a:p>
                       <a:r>
-                        <a:rPr lang="es-MX" dirty="0" smtClean="0"/>
-                        <a:t>3141</a:t>
+                        <a:rPr lang="es-MX" dirty="0"/>
+                        <a:t>2</a:t>
                       </a:r>
-                      <a:endParaRPr lang="es-MX" dirty="0"/>
+                    </a:p>
+                  </a:txBody>
+                  <a:tcPr/>
+                </a:tc>
+                <a:extLst>
+                  <a:ext uri="{0D108BD9-81ED-4DB2-BD59-A6C34878D82A}">
+                    <a16:rowId xmlns:a16="http://schemas.microsoft.com/office/drawing/2014/main" val="10005"/>
+                  </a:ext>
+                </a:extLst>
+              </a:tr>
+              <a:tr h="370840">
+                <a:tc>
+                  <a:txBody>
+                    <a:bodyPr/>
+                    <a:lstStyle/>
+                    <a:p>
+                      <a:r>
+                        <a:rPr lang="es-MX" dirty="0"/>
+                        <a:t>2303</a:t>
+                      </a:r>
                     </a:p>
                   </a:txBody>
                   <a:tcPr/>
@@ -16414,14 +16517,44 @@
                     <a:lstStyle/>
                     <a:p>
                       <a:r>
-                        <a:rPr lang="es-MX" dirty="0" smtClean="0"/>
-                        <a:t>2</a:t>
+                        <a:rPr lang="es-MX" dirty="0"/>
+                        <a:t>110</a:t>
                       </a:r>
-                      <a:endParaRPr lang="es-MX" dirty="0"/>
                     </a:p>
                   </a:txBody>
                   <a:tcPr/>
                 </a:tc>
+                <a:tc>
+                  <a:txBody>
+                    <a:bodyPr/>
+                    <a:lstStyle/>
+                    <a:p>
+                      <a:r>
+                        <a:rPr lang="es-MX" dirty="0"/>
+                        <a:t>3141</a:t>
+                      </a:r>
+                    </a:p>
+                  </a:txBody>
+                  <a:tcPr/>
+                </a:tc>
+                <a:tc>
+                  <a:txBody>
+                    <a:bodyPr/>
+                    <a:lstStyle/>
+                    <a:p>
+                      <a:r>
+                        <a:rPr lang="es-MX" dirty="0"/>
+                        <a:t>2</a:t>
+                      </a:r>
+                    </a:p>
+                  </a:txBody>
+                  <a:tcPr/>
+                </a:tc>
+                <a:extLst>
+                  <a:ext uri="{0D108BD9-81ED-4DB2-BD59-A6C34878D82A}">
+                    <a16:rowId xmlns:a16="http://schemas.microsoft.com/office/drawing/2014/main" val="10006"/>
+                  </a:ext>
+                </a:extLst>
               </a:tr>
             </a:tbl>
           </a:graphicData>
@@ -16450,10 +16583,9 @@
           <a:lstStyle/>
           <a:p>
             <a:r>
-              <a:rPr lang="es-MX" dirty="0" smtClean="0"/>
+              <a:rPr lang="es-MX" dirty="0"/>
               <a:t>Articulo</a:t>
             </a:r>
-            <a:endParaRPr lang="es-MX" dirty="0"/>
           </a:p>
         </p:txBody>
       </p:sp>
@@ -16480,10 +16612,144 @@
           <a:lstStyle/>
           <a:p>
             <a:r>
-              <a:rPr lang="es-MX" dirty="0" smtClean="0"/>
+              <a:rPr lang="es-MX" dirty="0"/>
               <a:t>Pedido</a:t>
             </a:r>
-            <a:endParaRPr lang="es-MX" dirty="0"/>
+          </a:p>
+        </p:txBody>
+      </p:sp>
+      <p:sp>
+        <p:nvSpPr>
+          <p:cNvPr id="14" name="Elipse 13">
+            <a:extLst>
+              <a:ext uri="{FF2B5EF4-FFF2-40B4-BE49-F238E27FC236}">
+                <a16:creationId xmlns:a16="http://schemas.microsoft.com/office/drawing/2014/main" id="{0227F131-CA1E-473F-92E7-5E13697E100B}"/>
+              </a:ext>
+            </a:extLst>
+          </p:cNvPr>
+          <p:cNvSpPr/>
+          <p:nvPr/>
+        </p:nvSpPr>
+        <p:spPr>
+          <a:xfrm>
+            <a:off x="7461493" y="5187795"/>
+            <a:ext cx="1390918" cy="528659"/>
+          </a:xfrm>
+          <a:prstGeom prst="ellipse">
+            <a:avLst/>
+          </a:prstGeom>
+          <a:noFill/>
+        </p:spPr>
+        <p:style>
+          <a:lnRef idx="2">
+            <a:schemeClr val="accent6"/>
+          </a:lnRef>
+          <a:fillRef idx="1">
+            <a:schemeClr val="lt1"/>
+          </a:fillRef>
+          <a:effectRef idx="0">
+            <a:schemeClr val="accent6"/>
+          </a:effectRef>
+          <a:fontRef idx="minor">
+            <a:schemeClr val="dk1"/>
+          </a:fontRef>
+        </p:style>
+        <p:txBody>
+          <a:bodyPr rtlCol="0" anchor="ctr"/>
+          <a:lstStyle/>
+          <a:p>
+            <a:pPr algn="ctr"/>
+            <a:endParaRPr lang="es-MX"/>
+          </a:p>
+        </p:txBody>
+      </p:sp>
+      <p:sp>
+        <p:nvSpPr>
+          <p:cNvPr id="15" name="Elipse 14">
+            <a:extLst>
+              <a:ext uri="{FF2B5EF4-FFF2-40B4-BE49-F238E27FC236}">
+                <a16:creationId xmlns:a16="http://schemas.microsoft.com/office/drawing/2014/main" id="{2F7F3208-1B11-4B28-88EB-AD7456FE3FF0}"/>
+              </a:ext>
+            </a:extLst>
+          </p:cNvPr>
+          <p:cNvSpPr/>
+          <p:nvPr/>
+        </p:nvSpPr>
+        <p:spPr>
+          <a:xfrm>
+            <a:off x="301372" y="4169172"/>
+            <a:ext cx="1390918" cy="528659"/>
+          </a:xfrm>
+          <a:prstGeom prst="ellipse">
+            <a:avLst/>
+          </a:prstGeom>
+          <a:noFill/>
+        </p:spPr>
+        <p:style>
+          <a:lnRef idx="2">
+            <a:schemeClr val="accent6"/>
+          </a:lnRef>
+          <a:fillRef idx="1">
+            <a:schemeClr val="lt1"/>
+          </a:fillRef>
+          <a:effectRef idx="0">
+            <a:schemeClr val="accent6"/>
+          </a:effectRef>
+          <a:fontRef idx="minor">
+            <a:schemeClr val="dk1"/>
+          </a:fontRef>
+        </p:style>
+        <p:txBody>
+          <a:bodyPr rtlCol="0" anchor="ctr"/>
+          <a:lstStyle/>
+          <a:p>
+            <a:pPr algn="ctr"/>
+            <a:endParaRPr lang="es-MX"/>
+          </a:p>
+        </p:txBody>
+      </p:sp>
+      <p:sp>
+        <p:nvSpPr>
+          <p:cNvPr id="16" name="Elipse 15">
+            <a:extLst>
+              <a:ext uri="{FF2B5EF4-FFF2-40B4-BE49-F238E27FC236}">
+                <a16:creationId xmlns:a16="http://schemas.microsoft.com/office/drawing/2014/main" id="{0DA8ED38-702B-4124-8652-3DA2B3F577EE}"/>
+              </a:ext>
+            </a:extLst>
+          </p:cNvPr>
+          <p:cNvSpPr/>
+          <p:nvPr/>
+        </p:nvSpPr>
+        <p:spPr>
+          <a:xfrm>
+            <a:off x="166353" y="2137122"/>
+            <a:ext cx="1390918" cy="528659"/>
+          </a:xfrm>
+          <a:prstGeom prst="ellipse">
+            <a:avLst/>
+          </a:prstGeom>
+          <a:noFill/>
+        </p:spPr>
+        <p:style>
+          <a:lnRef idx="2">
+            <a:schemeClr val="accent6"/>
+          </a:lnRef>
+          <a:fillRef idx="1">
+            <a:schemeClr val="lt1"/>
+          </a:fillRef>
+          <a:effectRef idx="0">
+            <a:schemeClr val="accent6"/>
+          </a:effectRef>
+          <a:fontRef idx="minor">
+            <a:schemeClr val="dk1"/>
+          </a:fontRef>
+        </p:style>
+        <p:txBody>
+          <a:bodyPr rtlCol="0" anchor="ctr"/>
+          <a:lstStyle/>
+          <a:p>
+            <a:pPr algn="ctr"/>
+            <a:endParaRPr lang="es-MX"/>
           </a:p>
         </p:txBody>
       </p:sp>
@@ -16497,13 +16763,941 @@
   <p:clrMapOvr>
     <a:masterClrMapping/>
   </p:clrMapOvr>
-  <p:timing>
-    <p:tnLst>
-      <p:par>
-        <p:cTn id="1" dur="indefinite" restart="never" nodeType="tmRoot"/>
-      </p:par>
-    </p:tnLst>
-  </p:timing>
+</p:sld>
+</file>
+
+<file path=ppt/slides/slide4.xml><?xml version="1.0" encoding="utf-8"?>
+<p:sld xmlns:a="http://schemas.openxmlformats.org/drawingml/2006/main" xmlns:r="http://schemas.openxmlformats.org/officeDocument/2006/relationships" xmlns:p="http://schemas.openxmlformats.org/presentationml/2006/main">
+  <p:cSld>
+    <p:spTree>
+      <p:nvGrpSpPr>
+        <p:cNvPr id="1" name=""/>
+        <p:cNvGrpSpPr/>
+        <p:nvPr/>
+      </p:nvGrpSpPr>
+      <p:grpSpPr>
+        <a:xfrm>
+          <a:off x="0" y="0"/>
+          <a:ext cx="0" cy="0"/>
+          <a:chOff x="0" y="0"/>
+          <a:chExt cx="0" cy="0"/>
+        </a:xfrm>
+      </p:grpSpPr>
+      <p:sp>
+        <p:nvSpPr>
+          <p:cNvPr id="2" name="Título 1">
+            <a:extLst>
+              <a:ext uri="{FF2B5EF4-FFF2-40B4-BE49-F238E27FC236}">
+                <a16:creationId xmlns:a16="http://schemas.microsoft.com/office/drawing/2014/main" id="{E09C24C7-81BB-4E22-B0FE-CD349516AD53}"/>
+              </a:ext>
+            </a:extLst>
+          </p:cNvPr>
+          <p:cNvSpPr>
+            <a:spLocks noGrp="1"/>
+          </p:cNvSpPr>
+          <p:nvPr>
+            <p:ph type="title"/>
+          </p:nvPr>
+        </p:nvSpPr>
+        <p:spPr/>
+        <p:txBody>
+          <a:bodyPr/>
+          <a:lstStyle/>
+          <a:p>
+            <a:r>
+              <a:rPr lang="es-MX" dirty="0"/>
+              <a:t>Algunas correcciones     15/04/2020</a:t>
+            </a:r>
+          </a:p>
+        </p:txBody>
+      </p:sp>
+      <p:sp>
+        <p:nvSpPr>
+          <p:cNvPr id="3" name="Marcador de pie de página 2">
+            <a:extLst>
+              <a:ext uri="{FF2B5EF4-FFF2-40B4-BE49-F238E27FC236}">
+                <a16:creationId xmlns:a16="http://schemas.microsoft.com/office/drawing/2014/main" id="{62F67CEC-81B2-45EE-8081-D0C3516C3344}"/>
+              </a:ext>
+            </a:extLst>
+          </p:cNvPr>
+          <p:cNvSpPr>
+            <a:spLocks noGrp="1"/>
+          </p:cNvSpPr>
+          <p:nvPr>
+            <p:ph type="ftr" sz="quarter" idx="11"/>
+          </p:nvPr>
+        </p:nvSpPr>
+        <p:spPr/>
+        <p:txBody>
+          <a:bodyPr/>
+          <a:lstStyle/>
+          <a:p>
+            <a:r>
+              <a:rPr lang="es-MX"/>
+              <a:t>Edson André Cortés Silva</a:t>
+            </a:r>
+          </a:p>
+        </p:txBody>
+      </p:sp>
+      <p:graphicFrame>
+        <p:nvGraphicFramePr>
+          <p:cNvPr id="7" name="Tabla 7">
+            <a:extLst>
+              <a:ext uri="{FF2B5EF4-FFF2-40B4-BE49-F238E27FC236}">
+                <a16:creationId xmlns:a16="http://schemas.microsoft.com/office/drawing/2014/main" id="{180DC404-0126-483C-B7D8-E04B6643AA72}"/>
+              </a:ext>
+            </a:extLst>
+          </p:cNvPr>
+          <p:cNvGraphicFramePr>
+            <a:graphicFrameLocks noGrp="1"/>
+          </p:cNvGraphicFramePr>
+          <p:nvPr>
+            <p:extLst>
+              <p:ext uri="{D42A27DB-BD31-4B8C-83A1-F6EECF244321}">
+                <p14:modId xmlns:p14="http://schemas.microsoft.com/office/powerpoint/2010/main" val="1822266122"/>
+              </p:ext>
+            </p:extLst>
+          </p:nvPr>
+        </p:nvGraphicFramePr>
+        <p:xfrm>
+          <a:off x="6959406" y="2552875"/>
+          <a:ext cx="4371204" cy="1483360"/>
+        </p:xfrm>
+        <a:graphic>
+          <a:graphicData uri="http://schemas.openxmlformats.org/drawingml/2006/table">
+            <a:tbl>
+              <a:tblPr firstRow="1" bandRow="1">
+                <a:tableStyleId>{5C22544A-7EE6-4342-B048-85BDC9FD1C3A}</a:tableStyleId>
+              </a:tblPr>
+              <a:tblGrid>
+                <a:gridCol w="1457068">
+                  <a:extLst>
+                    <a:ext uri="{9D8B030D-6E8A-4147-A177-3AD203B41FA5}">
+                      <a16:colId xmlns:a16="http://schemas.microsoft.com/office/drawing/2014/main" val="902255651"/>
+                    </a:ext>
+                  </a:extLst>
+                </a:gridCol>
+                <a:gridCol w="1457068">
+                  <a:extLst>
+                    <a:ext uri="{9D8B030D-6E8A-4147-A177-3AD203B41FA5}">
+                      <a16:colId xmlns:a16="http://schemas.microsoft.com/office/drawing/2014/main" val="31348070"/>
+                    </a:ext>
+                  </a:extLst>
+                </a:gridCol>
+                <a:gridCol w="1457068">
+                  <a:extLst>
+                    <a:ext uri="{9D8B030D-6E8A-4147-A177-3AD203B41FA5}">
+                      <a16:colId xmlns:a16="http://schemas.microsoft.com/office/drawing/2014/main" val="598201192"/>
+                    </a:ext>
+                  </a:extLst>
+                </a:gridCol>
+              </a:tblGrid>
+              <a:tr h="370840">
+                <a:tc>
+                  <a:txBody>
+                    <a:bodyPr/>
+                    <a:lstStyle/>
+                    <a:p>
+                      <a:r>
+                        <a:rPr lang="es-MX" dirty="0" err="1"/>
+                        <a:t>Id_orden</a:t>
+                      </a:r>
+                      <a:endParaRPr lang="es-MX" dirty="0"/>
+                    </a:p>
+                  </a:txBody>
+                  <a:tcPr/>
+                </a:tc>
+                <a:tc>
+                  <a:txBody>
+                    <a:bodyPr/>
+                    <a:lstStyle/>
+                    <a:p>
+                      <a:r>
+                        <a:rPr lang="es-MX" dirty="0" err="1"/>
+                        <a:t>Id_cliente</a:t>
+                      </a:r>
+                      <a:endParaRPr lang="es-MX" dirty="0"/>
+                    </a:p>
+                  </a:txBody>
+                  <a:tcPr/>
+                </a:tc>
+                <a:tc>
+                  <a:txBody>
+                    <a:bodyPr/>
+                    <a:lstStyle/>
+                    <a:p>
+                      <a:r>
+                        <a:rPr lang="es-MX" dirty="0"/>
+                        <a:t>Fecha</a:t>
+                      </a:r>
+                    </a:p>
+                  </a:txBody>
+                  <a:tcPr/>
+                </a:tc>
+                <a:extLst>
+                  <a:ext uri="{0D108BD9-81ED-4DB2-BD59-A6C34878D82A}">
+                    <a16:rowId xmlns:a16="http://schemas.microsoft.com/office/drawing/2014/main" val="819176790"/>
+                  </a:ext>
+                </a:extLst>
+              </a:tr>
+              <a:tr h="370840">
+                <a:tc>
+                  <a:txBody>
+                    <a:bodyPr/>
+                    <a:lstStyle/>
+                    <a:p>
+                      <a:r>
+                        <a:rPr lang="es-MX" dirty="0"/>
+                        <a:t>2301</a:t>
+                      </a:r>
+                    </a:p>
+                  </a:txBody>
+                  <a:tcPr/>
+                </a:tc>
+                <a:tc>
+                  <a:txBody>
+                    <a:bodyPr/>
+                    <a:lstStyle/>
+                    <a:p>
+                      <a:r>
+                        <a:rPr lang="es-MX" dirty="0"/>
+                        <a:t>101</a:t>
+                      </a:r>
+                    </a:p>
+                  </a:txBody>
+                  <a:tcPr/>
+                </a:tc>
+                <a:tc>
+                  <a:txBody>
+                    <a:bodyPr/>
+                    <a:lstStyle/>
+                    <a:p>
+                      <a:r>
+                        <a:rPr lang="es-MX" dirty="0"/>
+                        <a:t>23/02/2011</a:t>
+                      </a:r>
+                    </a:p>
+                  </a:txBody>
+                  <a:tcPr/>
+                </a:tc>
+                <a:extLst>
+                  <a:ext uri="{0D108BD9-81ED-4DB2-BD59-A6C34878D82A}">
+                    <a16:rowId xmlns:a16="http://schemas.microsoft.com/office/drawing/2014/main" val="848685136"/>
+                  </a:ext>
+                </a:extLst>
+              </a:tr>
+              <a:tr h="370840">
+                <a:tc>
+                  <a:txBody>
+                    <a:bodyPr/>
+                    <a:lstStyle/>
+                    <a:p>
+                      <a:r>
+                        <a:rPr lang="es-MX" dirty="0"/>
+                        <a:t>2302</a:t>
+                      </a:r>
+                    </a:p>
+                  </a:txBody>
+                  <a:tcPr/>
+                </a:tc>
+                <a:tc>
+                  <a:txBody>
+                    <a:bodyPr/>
+                    <a:lstStyle/>
+                    <a:p>
+                      <a:r>
+                        <a:rPr lang="es-MX" dirty="0"/>
+                        <a:t>107</a:t>
+                      </a:r>
+                    </a:p>
+                  </a:txBody>
+                  <a:tcPr/>
+                </a:tc>
+                <a:tc>
+                  <a:txBody>
+                    <a:bodyPr/>
+                    <a:lstStyle/>
+                    <a:p>
+                      <a:r>
+                        <a:rPr lang="es-MX" dirty="0"/>
+                        <a:t>25/02/2011</a:t>
+                      </a:r>
+                    </a:p>
+                  </a:txBody>
+                  <a:tcPr/>
+                </a:tc>
+                <a:extLst>
+                  <a:ext uri="{0D108BD9-81ED-4DB2-BD59-A6C34878D82A}">
+                    <a16:rowId xmlns:a16="http://schemas.microsoft.com/office/drawing/2014/main" val="916501858"/>
+                  </a:ext>
+                </a:extLst>
+              </a:tr>
+              <a:tr h="370840">
+                <a:tc>
+                  <a:txBody>
+                    <a:bodyPr/>
+                    <a:lstStyle/>
+                    <a:p>
+                      <a:r>
+                        <a:rPr lang="es-MX" dirty="0"/>
+                        <a:t>2303</a:t>
+                      </a:r>
+                    </a:p>
+                  </a:txBody>
+                  <a:tcPr/>
+                </a:tc>
+                <a:tc>
+                  <a:txBody>
+                    <a:bodyPr/>
+                    <a:lstStyle/>
+                    <a:p>
+                      <a:r>
+                        <a:rPr lang="es-MX" dirty="0"/>
+                        <a:t>110</a:t>
+                      </a:r>
+                    </a:p>
+                  </a:txBody>
+                  <a:tcPr/>
+                </a:tc>
+                <a:tc>
+                  <a:txBody>
+                    <a:bodyPr/>
+                    <a:lstStyle/>
+                    <a:p>
+                      <a:r>
+                        <a:rPr lang="es-MX" dirty="0"/>
+                        <a:t>27/03/2011</a:t>
+                      </a:r>
+                    </a:p>
+                  </a:txBody>
+                  <a:tcPr/>
+                </a:tc>
+                <a:extLst>
+                  <a:ext uri="{0D108BD9-81ED-4DB2-BD59-A6C34878D82A}">
+                    <a16:rowId xmlns:a16="http://schemas.microsoft.com/office/drawing/2014/main" val="1391166454"/>
+                  </a:ext>
+                </a:extLst>
+              </a:tr>
+            </a:tbl>
+          </a:graphicData>
+        </a:graphic>
+      </p:graphicFrame>
+      <p:graphicFrame>
+        <p:nvGraphicFramePr>
+          <p:cNvPr id="9" name="Tabla 8">
+            <a:extLst>
+              <a:ext uri="{FF2B5EF4-FFF2-40B4-BE49-F238E27FC236}">
+                <a16:creationId xmlns:a16="http://schemas.microsoft.com/office/drawing/2014/main" id="{8AFC86A8-66D8-493D-BEB7-81AF81F15F2E}"/>
+              </a:ext>
+            </a:extLst>
+          </p:cNvPr>
+          <p:cNvGraphicFramePr>
+            <a:graphicFrameLocks noGrp="1"/>
+          </p:cNvGraphicFramePr>
+          <p:nvPr>
+            <p:extLst>
+              <p:ext uri="{D42A27DB-BD31-4B8C-83A1-F6EECF244321}">
+                <p14:modId xmlns:p14="http://schemas.microsoft.com/office/powerpoint/2010/main" val="2650764841"/>
+              </p:ext>
+            </p:extLst>
+          </p:nvPr>
+        </p:nvGraphicFramePr>
+        <p:xfrm>
+          <a:off x="1154954" y="3025906"/>
+          <a:ext cx="4416022" cy="2590800"/>
+        </p:xfrm>
+        <a:graphic>
+          <a:graphicData uri="http://schemas.openxmlformats.org/drawingml/2006/table">
+            <a:tbl>
+              <a:tblPr firstRow="1" bandRow="1">
+                <a:tableStyleId>{5C22544A-7EE6-4342-B048-85BDC9FD1C3A}</a:tableStyleId>
+              </a:tblPr>
+              <a:tblGrid>
+                <a:gridCol w="1197736">
+                  <a:extLst>
+                    <a:ext uri="{9D8B030D-6E8A-4147-A177-3AD203B41FA5}">
+                      <a16:colId xmlns:a16="http://schemas.microsoft.com/office/drawing/2014/main" val="20000"/>
+                    </a:ext>
+                  </a:extLst>
+                </a:gridCol>
+                <a:gridCol w="1275008">
+                  <a:extLst>
+                    <a:ext uri="{9D8B030D-6E8A-4147-A177-3AD203B41FA5}">
+                      <a16:colId xmlns:a16="http://schemas.microsoft.com/office/drawing/2014/main" val="20001"/>
+                    </a:ext>
+                  </a:extLst>
+                </a:gridCol>
+                <a:gridCol w="1146220">
+                  <a:extLst>
+                    <a:ext uri="{9D8B030D-6E8A-4147-A177-3AD203B41FA5}">
+                      <a16:colId xmlns:a16="http://schemas.microsoft.com/office/drawing/2014/main" val="20002"/>
+                    </a:ext>
+                  </a:extLst>
+                </a:gridCol>
+                <a:gridCol w="797058">
+                  <a:extLst>
+                    <a:ext uri="{9D8B030D-6E8A-4147-A177-3AD203B41FA5}">
+                      <a16:colId xmlns:a16="http://schemas.microsoft.com/office/drawing/2014/main" val="20003"/>
+                    </a:ext>
+                  </a:extLst>
+                </a:gridCol>
+              </a:tblGrid>
+              <a:tr h="253379">
+                <a:tc>
+                  <a:txBody>
+                    <a:bodyPr/>
+                    <a:lstStyle/>
+                    <a:p>
+                      <a:r>
+                        <a:rPr lang="es-MX" dirty="0" err="1"/>
+                        <a:t>Id_orden</a:t>
+                      </a:r>
+                      <a:endParaRPr lang="es-MX" dirty="0"/>
+                    </a:p>
+                  </a:txBody>
+                  <a:tcPr/>
+                </a:tc>
+                <a:tc>
+                  <a:txBody>
+                    <a:bodyPr/>
+                    <a:lstStyle/>
+                    <a:p>
+                      <a:r>
+                        <a:rPr lang="es-MX" dirty="0" err="1"/>
+                        <a:t>Id_cliente</a:t>
+                      </a:r>
+                      <a:endParaRPr lang="es-MX" dirty="0"/>
+                    </a:p>
+                  </a:txBody>
+                  <a:tcPr/>
+                </a:tc>
+                <a:tc>
+                  <a:txBody>
+                    <a:bodyPr/>
+                    <a:lstStyle/>
+                    <a:p>
+                      <a:r>
+                        <a:rPr lang="es-MX" dirty="0" err="1"/>
+                        <a:t>Num_art</a:t>
+                      </a:r>
+                      <a:endParaRPr lang="es-MX" dirty="0"/>
+                    </a:p>
+                  </a:txBody>
+                  <a:tcPr/>
+                </a:tc>
+                <a:tc>
+                  <a:txBody>
+                    <a:bodyPr/>
+                    <a:lstStyle/>
+                    <a:p>
+                      <a:r>
+                        <a:rPr lang="es-MX" dirty="0" err="1"/>
+                        <a:t>Cant</a:t>
+                      </a:r>
+                      <a:endParaRPr lang="es-MX" dirty="0"/>
+                    </a:p>
+                  </a:txBody>
+                  <a:tcPr/>
+                </a:tc>
+                <a:extLst>
+                  <a:ext uri="{0D108BD9-81ED-4DB2-BD59-A6C34878D82A}">
+                    <a16:rowId xmlns:a16="http://schemas.microsoft.com/office/drawing/2014/main" val="10000"/>
+                  </a:ext>
+                </a:extLst>
+              </a:tr>
+              <a:tr h="370840">
+                <a:tc>
+                  <a:txBody>
+                    <a:bodyPr/>
+                    <a:lstStyle/>
+                    <a:p>
+                      <a:r>
+                        <a:rPr lang="es-MX" dirty="0"/>
+                        <a:t>2301</a:t>
+                      </a:r>
+                    </a:p>
+                  </a:txBody>
+                  <a:tcPr/>
+                </a:tc>
+                <a:tc>
+                  <a:txBody>
+                    <a:bodyPr/>
+                    <a:lstStyle/>
+                    <a:p>
+                      <a:r>
+                        <a:rPr lang="es-MX" dirty="0"/>
+                        <a:t>101</a:t>
+                      </a:r>
+                    </a:p>
+                  </a:txBody>
+                  <a:tcPr/>
+                </a:tc>
+                <a:tc>
+                  <a:txBody>
+                    <a:bodyPr/>
+                    <a:lstStyle/>
+                    <a:p>
+                      <a:r>
+                        <a:rPr lang="es-MX" dirty="0"/>
+                        <a:t>3876</a:t>
+                      </a:r>
+                    </a:p>
+                  </a:txBody>
+                  <a:tcPr/>
+                </a:tc>
+                <a:tc>
+                  <a:txBody>
+                    <a:bodyPr/>
+                    <a:lstStyle/>
+                    <a:p>
+                      <a:r>
+                        <a:rPr lang="es-MX" dirty="0"/>
+                        <a:t>3</a:t>
+                      </a:r>
+                    </a:p>
+                  </a:txBody>
+                  <a:tcPr/>
+                </a:tc>
+                <a:extLst>
+                  <a:ext uri="{0D108BD9-81ED-4DB2-BD59-A6C34878D82A}">
+                    <a16:rowId xmlns:a16="http://schemas.microsoft.com/office/drawing/2014/main" val="10001"/>
+                  </a:ext>
+                </a:extLst>
+              </a:tr>
+              <a:tr h="370840">
+                <a:tc>
+                  <a:txBody>
+                    <a:bodyPr/>
+                    <a:lstStyle/>
+                    <a:p>
+                      <a:r>
+                        <a:rPr lang="es-MX" dirty="0"/>
+                        <a:t>2301</a:t>
+                      </a:r>
+                    </a:p>
+                  </a:txBody>
+                  <a:tcPr/>
+                </a:tc>
+                <a:tc>
+                  <a:txBody>
+                    <a:bodyPr/>
+                    <a:lstStyle/>
+                    <a:p>
+                      <a:pPr marL="0" marR="0" indent="0" algn="l" defTabSz="457200" rtl="0" eaLnBrk="1" fontAlgn="auto" latinLnBrk="0" hangingPunct="1">
+                        <a:lnSpc>
+                          <a:spcPct val="100000"/>
+                        </a:lnSpc>
+                        <a:spcBef>
+                          <a:spcPts val="0"/>
+                        </a:spcBef>
+                        <a:spcAft>
+                          <a:spcPts val="0"/>
+                        </a:spcAft>
+                        <a:buClrTx/>
+                        <a:buSzTx/>
+                        <a:buFontTx/>
+                        <a:buNone/>
+                        <a:tabLst/>
+                        <a:defRPr/>
+                      </a:pPr>
+                      <a:r>
+                        <a:rPr lang="es-MX" dirty="0"/>
+                        <a:t>101</a:t>
+                      </a:r>
+                    </a:p>
+                  </a:txBody>
+                  <a:tcPr/>
+                </a:tc>
+                <a:tc>
+                  <a:txBody>
+                    <a:bodyPr/>
+                    <a:lstStyle/>
+                    <a:p>
+                      <a:r>
+                        <a:rPr lang="es-MX" dirty="0"/>
+                        <a:t>4011</a:t>
+                      </a:r>
+                    </a:p>
+                  </a:txBody>
+                  <a:tcPr/>
+                </a:tc>
+                <a:tc>
+                  <a:txBody>
+                    <a:bodyPr/>
+                    <a:lstStyle/>
+                    <a:p>
+                      <a:r>
+                        <a:rPr lang="es-MX" dirty="0"/>
+                        <a:t>6</a:t>
+                      </a:r>
+                    </a:p>
+                  </a:txBody>
+                  <a:tcPr/>
+                </a:tc>
+                <a:extLst>
+                  <a:ext uri="{0D108BD9-81ED-4DB2-BD59-A6C34878D82A}">
+                    <a16:rowId xmlns:a16="http://schemas.microsoft.com/office/drawing/2014/main" val="10002"/>
+                  </a:ext>
+                </a:extLst>
+              </a:tr>
+              <a:tr h="370840">
+                <a:tc>
+                  <a:txBody>
+                    <a:bodyPr/>
+                    <a:lstStyle/>
+                    <a:p>
+                      <a:r>
+                        <a:rPr lang="es-MX" dirty="0"/>
+                        <a:t>2301</a:t>
+                      </a:r>
+                    </a:p>
+                  </a:txBody>
+                  <a:tcPr/>
+                </a:tc>
+                <a:tc>
+                  <a:txBody>
+                    <a:bodyPr/>
+                    <a:lstStyle/>
+                    <a:p>
+                      <a:pPr marL="0" marR="0" indent="0" algn="l" defTabSz="457200" rtl="0" eaLnBrk="1" fontAlgn="auto" latinLnBrk="0" hangingPunct="1">
+                        <a:lnSpc>
+                          <a:spcPct val="100000"/>
+                        </a:lnSpc>
+                        <a:spcBef>
+                          <a:spcPts val="0"/>
+                        </a:spcBef>
+                        <a:spcAft>
+                          <a:spcPts val="0"/>
+                        </a:spcAft>
+                        <a:buClrTx/>
+                        <a:buSzTx/>
+                        <a:buFontTx/>
+                        <a:buNone/>
+                        <a:tabLst/>
+                        <a:defRPr/>
+                      </a:pPr>
+                      <a:r>
+                        <a:rPr lang="es-MX" dirty="0"/>
+                        <a:t>101</a:t>
+                      </a:r>
+                    </a:p>
+                  </a:txBody>
+                  <a:tcPr/>
+                </a:tc>
+                <a:tc>
+                  <a:txBody>
+                    <a:bodyPr/>
+                    <a:lstStyle/>
+                    <a:p>
+                      <a:r>
+                        <a:rPr lang="es-MX" dirty="0"/>
+                        <a:t>9132</a:t>
+                      </a:r>
+                    </a:p>
+                  </a:txBody>
+                  <a:tcPr/>
+                </a:tc>
+                <a:tc>
+                  <a:txBody>
+                    <a:bodyPr/>
+                    <a:lstStyle/>
+                    <a:p>
+                      <a:r>
+                        <a:rPr lang="es-MX" dirty="0"/>
+                        <a:t>8</a:t>
+                      </a:r>
+                    </a:p>
+                  </a:txBody>
+                  <a:tcPr/>
+                </a:tc>
+                <a:extLst>
+                  <a:ext uri="{0D108BD9-81ED-4DB2-BD59-A6C34878D82A}">
+                    <a16:rowId xmlns:a16="http://schemas.microsoft.com/office/drawing/2014/main" val="10003"/>
+                  </a:ext>
+                </a:extLst>
+              </a:tr>
+              <a:tr h="370840">
+                <a:tc>
+                  <a:txBody>
+                    <a:bodyPr/>
+                    <a:lstStyle/>
+                    <a:p>
+                      <a:r>
+                        <a:rPr lang="es-MX" dirty="0"/>
+                        <a:t>2302</a:t>
+                      </a:r>
+                    </a:p>
+                  </a:txBody>
+                  <a:tcPr/>
+                </a:tc>
+                <a:tc>
+                  <a:txBody>
+                    <a:bodyPr/>
+                    <a:lstStyle/>
+                    <a:p>
+                      <a:r>
+                        <a:rPr lang="es-MX" dirty="0"/>
+                        <a:t>107</a:t>
+                      </a:r>
+                    </a:p>
+                  </a:txBody>
+                  <a:tcPr/>
+                </a:tc>
+                <a:tc>
+                  <a:txBody>
+                    <a:bodyPr/>
+                    <a:lstStyle/>
+                    <a:p>
+                      <a:r>
+                        <a:rPr lang="es-MX" dirty="0"/>
+                        <a:t>5794</a:t>
+                      </a:r>
+                    </a:p>
+                  </a:txBody>
+                  <a:tcPr/>
+                </a:tc>
+                <a:tc>
+                  <a:txBody>
+                    <a:bodyPr/>
+                    <a:lstStyle/>
+                    <a:p>
+                      <a:r>
+                        <a:rPr lang="es-MX" dirty="0"/>
+                        <a:t>4</a:t>
+                      </a:r>
+                    </a:p>
+                  </a:txBody>
+                  <a:tcPr/>
+                </a:tc>
+                <a:extLst>
+                  <a:ext uri="{0D108BD9-81ED-4DB2-BD59-A6C34878D82A}">
+                    <a16:rowId xmlns:a16="http://schemas.microsoft.com/office/drawing/2014/main" val="10004"/>
+                  </a:ext>
+                </a:extLst>
+              </a:tr>
+              <a:tr h="370840">
+                <a:tc>
+                  <a:txBody>
+                    <a:bodyPr/>
+                    <a:lstStyle/>
+                    <a:p>
+                      <a:r>
+                        <a:rPr lang="es-MX" dirty="0"/>
+                        <a:t>2303</a:t>
+                      </a:r>
+                    </a:p>
+                  </a:txBody>
+                  <a:tcPr/>
+                </a:tc>
+                <a:tc>
+                  <a:txBody>
+                    <a:bodyPr/>
+                    <a:lstStyle/>
+                    <a:p>
+                      <a:r>
+                        <a:rPr lang="es-MX" dirty="0"/>
+                        <a:t>110</a:t>
+                      </a:r>
+                    </a:p>
+                  </a:txBody>
+                  <a:tcPr/>
+                </a:tc>
+                <a:tc>
+                  <a:txBody>
+                    <a:bodyPr/>
+                    <a:lstStyle/>
+                    <a:p>
+                      <a:r>
+                        <a:rPr lang="es-MX" dirty="0"/>
+                        <a:t>4011</a:t>
+                      </a:r>
+                    </a:p>
+                  </a:txBody>
+                  <a:tcPr/>
+                </a:tc>
+                <a:tc>
+                  <a:txBody>
+                    <a:bodyPr/>
+                    <a:lstStyle/>
+                    <a:p>
+                      <a:r>
+                        <a:rPr lang="es-MX" dirty="0"/>
+                        <a:t>2</a:t>
+                      </a:r>
+                    </a:p>
+                  </a:txBody>
+                  <a:tcPr/>
+                </a:tc>
+                <a:extLst>
+                  <a:ext uri="{0D108BD9-81ED-4DB2-BD59-A6C34878D82A}">
+                    <a16:rowId xmlns:a16="http://schemas.microsoft.com/office/drawing/2014/main" val="10005"/>
+                  </a:ext>
+                </a:extLst>
+              </a:tr>
+              <a:tr h="370840">
+                <a:tc>
+                  <a:txBody>
+                    <a:bodyPr/>
+                    <a:lstStyle/>
+                    <a:p>
+                      <a:r>
+                        <a:rPr lang="es-MX" dirty="0"/>
+                        <a:t>2303</a:t>
+                      </a:r>
+                    </a:p>
+                  </a:txBody>
+                  <a:tcPr/>
+                </a:tc>
+                <a:tc>
+                  <a:txBody>
+                    <a:bodyPr/>
+                    <a:lstStyle/>
+                    <a:p>
+                      <a:r>
+                        <a:rPr lang="es-MX" dirty="0"/>
+                        <a:t>110</a:t>
+                      </a:r>
+                    </a:p>
+                  </a:txBody>
+                  <a:tcPr/>
+                </a:tc>
+                <a:tc>
+                  <a:txBody>
+                    <a:bodyPr/>
+                    <a:lstStyle/>
+                    <a:p>
+                      <a:r>
+                        <a:rPr lang="es-MX" dirty="0"/>
+                        <a:t>3141</a:t>
+                      </a:r>
+                    </a:p>
+                  </a:txBody>
+                  <a:tcPr/>
+                </a:tc>
+                <a:tc>
+                  <a:txBody>
+                    <a:bodyPr/>
+                    <a:lstStyle/>
+                    <a:p>
+                      <a:r>
+                        <a:rPr lang="es-MX" dirty="0"/>
+                        <a:t>2</a:t>
+                      </a:r>
+                    </a:p>
+                  </a:txBody>
+                  <a:tcPr/>
+                </a:tc>
+                <a:extLst>
+                  <a:ext uri="{0D108BD9-81ED-4DB2-BD59-A6C34878D82A}">
+                    <a16:rowId xmlns:a16="http://schemas.microsoft.com/office/drawing/2014/main" val="10006"/>
+                  </a:ext>
+                </a:extLst>
+              </a:tr>
+            </a:tbl>
+          </a:graphicData>
+        </a:graphic>
+      </p:graphicFrame>
+      <p:sp>
+        <p:nvSpPr>
+          <p:cNvPr id="10" name="Diagrama de flujo: proceso 9">
+            <a:extLst>
+              <a:ext uri="{FF2B5EF4-FFF2-40B4-BE49-F238E27FC236}">
+                <a16:creationId xmlns:a16="http://schemas.microsoft.com/office/drawing/2014/main" id="{0D2410AA-A9CC-4AA5-9DE5-72064DD17FEE}"/>
+              </a:ext>
+            </a:extLst>
+          </p:cNvPr>
+          <p:cNvSpPr/>
+          <p:nvPr/>
+        </p:nvSpPr>
+        <p:spPr>
+          <a:xfrm>
+            <a:off x="2348273" y="3025906"/>
+            <a:ext cx="1269570" cy="2590800"/>
+          </a:xfrm>
+          <a:prstGeom prst="flowChartProcess">
+            <a:avLst/>
+          </a:prstGeom>
+        </p:spPr>
+        <p:style>
+          <a:lnRef idx="2">
+            <a:schemeClr val="accent1">
+              <a:shade val="50000"/>
+            </a:schemeClr>
+          </a:lnRef>
+          <a:fillRef idx="1">
+            <a:schemeClr val="accent1"/>
+          </a:fillRef>
+          <a:effectRef idx="0">
+            <a:schemeClr val="accent1"/>
+          </a:effectRef>
+          <a:fontRef idx="minor">
+            <a:schemeClr val="lt1"/>
+          </a:fontRef>
+        </p:style>
+        <p:txBody>
+          <a:bodyPr rtlCol="0" anchor="ctr"/>
+          <a:lstStyle/>
+          <a:p>
+            <a:pPr algn="ctr"/>
+            <a:endParaRPr lang="es-MX"/>
+          </a:p>
+        </p:txBody>
+      </p:sp>
+      <p:sp>
+        <p:nvSpPr>
+          <p:cNvPr id="12" name="Elipse 11">
+            <a:extLst>
+              <a:ext uri="{FF2B5EF4-FFF2-40B4-BE49-F238E27FC236}">
+                <a16:creationId xmlns:a16="http://schemas.microsoft.com/office/drawing/2014/main" id="{E9A6F1CE-3A57-490D-94CC-31EB445CAB69}"/>
+              </a:ext>
+            </a:extLst>
+          </p:cNvPr>
+          <p:cNvSpPr/>
+          <p:nvPr/>
+        </p:nvSpPr>
+        <p:spPr>
+          <a:xfrm>
+            <a:off x="6828004" y="2497247"/>
+            <a:ext cx="1390918" cy="528659"/>
+          </a:xfrm>
+          <a:prstGeom prst="ellipse">
+            <a:avLst/>
+          </a:prstGeom>
+          <a:noFill/>
+        </p:spPr>
+        <p:style>
+          <a:lnRef idx="2">
+            <a:schemeClr val="accent6"/>
+          </a:lnRef>
+          <a:fillRef idx="1">
+            <a:schemeClr val="lt1"/>
+          </a:fillRef>
+          <a:effectRef idx="0">
+            <a:schemeClr val="accent6"/>
+          </a:effectRef>
+          <a:fontRef idx="minor">
+            <a:schemeClr val="dk1"/>
+          </a:fontRef>
+        </p:style>
+        <p:txBody>
+          <a:bodyPr rtlCol="0" anchor="ctr"/>
+          <a:lstStyle/>
+          <a:p>
+            <a:pPr algn="ctr"/>
+            <a:endParaRPr lang="es-MX"/>
+          </a:p>
+        </p:txBody>
+      </p:sp>
+    </p:spTree>
+    <p:extLst>
+      <p:ext uri="{BB962C8B-B14F-4D97-AF65-F5344CB8AC3E}">
+        <p14:creationId xmlns:p14="http://schemas.microsoft.com/office/powerpoint/2010/main" val="2192723992"/>
+      </p:ext>
+    </p:extLst>
+  </p:cSld>
+  <p:clrMapOvr>
+    <a:masterClrMapping/>
+  </p:clrMapOvr>
 </p:sld>
 </file>
 
